--- a/ppts/SetupHadoopCoreComponents.pptx
+++ b/ppts/SetupHadoopCoreComponents.pptx
@@ -5,7 +5,7 @@
     <p:sldMasterId id="2147483720" r:id="rId1"/>
   </p:sldMasterIdLst>
   <p:notesMasterIdLst>
-    <p:notesMasterId r:id="rId76"/>
+    <p:notesMasterId r:id="rId83"/>
   </p:notesMasterIdLst>
   <p:sldIdLst>
     <p:sldId id="280" r:id="rId2"/>
@@ -60,28 +60,35 @@
     <p:sldId id="284" r:id="rId51"/>
     <p:sldId id="364" r:id="rId52"/>
     <p:sldId id="365" r:id="rId53"/>
-    <p:sldId id="286" r:id="rId54"/>
-    <p:sldId id="296" r:id="rId55"/>
-    <p:sldId id="297" r:id="rId56"/>
-    <p:sldId id="363" r:id="rId57"/>
-    <p:sldId id="311" r:id="rId58"/>
-    <p:sldId id="299" r:id="rId59"/>
-    <p:sldId id="300" r:id="rId60"/>
-    <p:sldId id="301" r:id="rId61"/>
-    <p:sldId id="302" r:id="rId62"/>
-    <p:sldId id="334" r:id="rId63"/>
-    <p:sldId id="366" r:id="rId64"/>
-    <p:sldId id="335" r:id="rId65"/>
-    <p:sldId id="361" r:id="rId66"/>
-    <p:sldId id="362" r:id="rId67"/>
-    <p:sldId id="368" r:id="rId68"/>
-    <p:sldId id="336" r:id="rId69"/>
-    <p:sldId id="316" r:id="rId70"/>
-    <p:sldId id="367" r:id="rId71"/>
-    <p:sldId id="314" r:id="rId72"/>
-    <p:sldId id="315" r:id="rId73"/>
-    <p:sldId id="287" r:id="rId74"/>
-    <p:sldId id="267" r:id="rId75"/>
+    <p:sldId id="370" r:id="rId54"/>
+    <p:sldId id="371" r:id="rId55"/>
+    <p:sldId id="376" r:id="rId56"/>
+    <p:sldId id="372" r:id="rId57"/>
+    <p:sldId id="373" r:id="rId58"/>
+    <p:sldId id="374" r:id="rId59"/>
+    <p:sldId id="375" r:id="rId60"/>
+    <p:sldId id="286" r:id="rId61"/>
+    <p:sldId id="296" r:id="rId62"/>
+    <p:sldId id="297" r:id="rId63"/>
+    <p:sldId id="363" r:id="rId64"/>
+    <p:sldId id="311" r:id="rId65"/>
+    <p:sldId id="299" r:id="rId66"/>
+    <p:sldId id="300" r:id="rId67"/>
+    <p:sldId id="301" r:id="rId68"/>
+    <p:sldId id="302" r:id="rId69"/>
+    <p:sldId id="334" r:id="rId70"/>
+    <p:sldId id="366" r:id="rId71"/>
+    <p:sldId id="335" r:id="rId72"/>
+    <p:sldId id="361" r:id="rId73"/>
+    <p:sldId id="362" r:id="rId74"/>
+    <p:sldId id="368" r:id="rId75"/>
+    <p:sldId id="336" r:id="rId76"/>
+    <p:sldId id="316" r:id="rId77"/>
+    <p:sldId id="367" r:id="rId78"/>
+    <p:sldId id="314" r:id="rId79"/>
+    <p:sldId id="315" r:id="rId80"/>
+    <p:sldId id="287" r:id="rId81"/>
+    <p:sldId id="267" r:id="rId82"/>
   </p:sldIdLst>
   <p:sldSz cx="9144000" cy="6858000" type="screen4x3"/>
   <p:notesSz cx="6858000" cy="9144000"/>
@@ -182,7 +189,7 @@
   </p:defaultTextStyle>
   <p:extLst>
     <p:ext uri="{EFAFB233-063F-42B5-8137-9DF3F51BA10A}">
-      <p15:sldGuideLst xmlns:p15="http://schemas.microsoft.com/office/powerpoint/2012/main" xmlns="">
+      <p15:sldGuideLst xmlns:p15="http://schemas.microsoft.com/office/powerpoint/2012/main">
         <p15:guide id="1" orient="horz" pos="2160">
           <p15:clr>
             <a:srgbClr val="A4A3A4"/>
@@ -282,7 +289,7 @@
             <a:fld id="{36BC898F-A298-4C24-8512-F8C89D7B89DB}" type="datetimeFigureOut">
               <a:rPr lang="en-US" smtClean="0"/>
               <a:pPr/>
-              <a:t>8/30/15</a:t>
+              <a:t>5/21/2016</a:t>
             </a:fld>
             <a:endParaRPr lang="en-US"/>
           </a:p>
@@ -733,7 +740,7 @@
             <a:fld id="{5CDE208D-7564-4296-8E04-23AC3E064C0F}" type="datetime1">
               <a:rPr lang="en-US" smtClean="0"/>
               <a:pPr/>
-              <a:t>8/30/15</a:t>
+              <a:t>5/21/2016</a:t>
             </a:fld>
             <a:endParaRPr lang="en-US"/>
           </a:p>
@@ -905,7 +912,7 @@
             <a:fld id="{60D25CE4-ADAF-4059-ABA2-141220E630ED}" type="datetime1">
               <a:rPr lang="en-US" smtClean="0"/>
               <a:pPr/>
-              <a:t>8/30/15</a:t>
+              <a:t>5/21/2016</a:t>
             </a:fld>
             <a:endParaRPr lang="en-US"/>
           </a:p>
@@ -1087,7 +1094,7 @@
             <a:fld id="{52C6806D-A723-4AF6-81A5-B834FAD74726}" type="datetime1">
               <a:rPr lang="en-US" smtClean="0"/>
               <a:pPr/>
-              <a:t>8/30/15</a:t>
+              <a:t>5/21/2016</a:t>
             </a:fld>
             <a:endParaRPr lang="en-US"/>
           </a:p>
@@ -1259,7 +1266,7 @@
             <a:fld id="{D44EF097-511E-4A39-B887-743E45CBA906}" type="datetime1">
               <a:rPr lang="en-US" smtClean="0"/>
               <a:pPr/>
-              <a:t>8/30/15</a:t>
+              <a:t>5/21/2016</a:t>
             </a:fld>
             <a:endParaRPr lang="en-US"/>
           </a:p>
@@ -1507,7 +1514,7 @@
             <a:fld id="{70E85FCB-8524-42D5-A40A-2F99E5C3E7D8}" type="datetime1">
               <a:rPr lang="en-US" smtClean="0"/>
               <a:pPr/>
-              <a:t>8/30/15</a:t>
+              <a:t>5/21/2016</a:t>
             </a:fld>
             <a:endParaRPr lang="en-US"/>
           </a:p>
@@ -1797,7 +1804,7 @@
             <a:fld id="{633E977D-637B-4096-B936-E1A637334F64}" type="datetime1">
               <a:rPr lang="en-US" smtClean="0"/>
               <a:pPr/>
-              <a:t>8/30/15</a:t>
+              <a:t>5/21/2016</a:t>
             </a:fld>
             <a:endParaRPr lang="en-US"/>
           </a:p>
@@ -2221,7 +2228,7 @@
             <a:fld id="{F3F823A3-1EC4-48DF-BAAF-ED1C7A85F0D2}" type="datetime1">
               <a:rPr lang="en-US" smtClean="0"/>
               <a:pPr/>
-              <a:t>8/30/15</a:t>
+              <a:t>5/21/2016</a:t>
             </a:fld>
             <a:endParaRPr lang="en-US"/>
           </a:p>
@@ -2341,7 +2348,7 @@
             <a:fld id="{E128BFC6-AF5F-4DC0-B088-1D980938E003}" type="datetime1">
               <a:rPr lang="en-US" smtClean="0"/>
               <a:pPr/>
-              <a:t>8/30/15</a:t>
+              <a:t>5/21/2016</a:t>
             </a:fld>
             <a:endParaRPr lang="en-US"/>
           </a:p>
@@ -2438,7 +2445,7 @@
             <a:fld id="{F4A2A5EB-80FD-44E1-A565-D0A36D298C59}" type="datetime1">
               <a:rPr lang="en-US" smtClean="0"/>
               <a:pPr/>
-              <a:t>8/30/15</a:t>
+              <a:t>5/21/2016</a:t>
             </a:fld>
             <a:endParaRPr lang="en-US"/>
           </a:p>
@@ -2717,7 +2724,7 @@
             <a:fld id="{9AFDFBF1-D1F0-4443-941A-FB66DAB2747D}" type="datetime1">
               <a:rPr lang="en-US" smtClean="0"/>
               <a:pPr/>
-              <a:t>8/30/15</a:t>
+              <a:t>5/21/2016</a:t>
             </a:fld>
             <a:endParaRPr lang="en-US"/>
           </a:p>
@@ -2972,7 +2979,7 @@
             <a:fld id="{698E6C0E-841F-4B36-A84F-5C356414D90B}" type="datetime1">
               <a:rPr lang="en-US" smtClean="0"/>
               <a:pPr/>
-              <a:t>8/30/15</a:t>
+              <a:t>5/21/2016</a:t>
             </a:fld>
             <a:endParaRPr lang="en-US"/>
           </a:p>
@@ -3187,7 +3194,7 @@
             <a:fld id="{98953B7D-DCD9-4820-A960-E75F751A466A}" type="datetime1">
               <a:rPr lang="en-US" smtClean="0"/>
               <a:pPr/>
-              <a:t>8/30/15</a:t>
+              <a:t>5/21/2016</a:t>
             </a:fld>
             <a:endParaRPr lang="en-US"/>
           </a:p>
@@ -3639,7 +3646,7 @@
   <p:timing>
     <p:tnLst>
       <p:par>
-        <p:cTn xmlns:p14="http://schemas.microsoft.com/office/powerpoint/2010/main" id="1" dur="indefinite" restart="never" nodeType="tmRoot"/>
+        <p:cTn id="1" dur="indefinite" restart="never" nodeType="tmRoot"/>
       </p:par>
     </p:tnLst>
   </p:timing>
@@ -4603,11 +4610,11 @@
   <p:clrMapOvr>
     <a:masterClrMapping/>
   </p:clrMapOvr>
-  <p:transition xmlns:p14="http://schemas.microsoft.com/office/powerpoint/2010/main" spd="slow"/>
+  <p:transition spd="slow"/>
   <p:timing>
     <p:tnLst>
       <p:par>
-        <p:cTn xmlns:p14="http://schemas.microsoft.com/office/powerpoint/2010/main" id="1" dur="indefinite" restart="never" nodeType="tmRoot"/>
+        <p:cTn id="1" dur="indefinite" restart="never" nodeType="tmRoot"/>
       </p:par>
     </p:tnLst>
   </p:timing>
@@ -4812,7 +4819,7 @@
   <p:timing>
     <p:tnLst>
       <p:par>
-        <p:cTn xmlns:p14="http://schemas.microsoft.com/office/powerpoint/2010/main" id="1" dur="indefinite" restart="never" nodeType="tmRoot"/>
+        <p:cTn id="1" dur="indefinite" restart="never" nodeType="tmRoot"/>
       </p:par>
     </p:tnLst>
   </p:timing>
@@ -4959,7 +4966,7 @@
   <p:timing>
     <p:tnLst>
       <p:par>
-        <p:cTn xmlns:p14="http://schemas.microsoft.com/office/powerpoint/2010/main" id="1" dur="indefinite" restart="never" nodeType="tmRoot"/>
+        <p:cTn id="1" dur="indefinite" restart="never" nodeType="tmRoot"/>
       </p:par>
     </p:tnLst>
   </p:timing>
@@ -5116,7 +5123,7 @@
   <p:timing>
     <p:tnLst>
       <p:par>
-        <p:cTn xmlns:p14="http://schemas.microsoft.com/office/powerpoint/2010/main" id="1" dur="indefinite" restart="never" nodeType="tmRoot"/>
+        <p:cTn id="1" dur="indefinite" restart="never" nodeType="tmRoot"/>
       </p:par>
     </p:tnLst>
   </p:timing>
@@ -5254,7 +5261,7 @@
   <p:timing>
     <p:tnLst>
       <p:par>
-        <p:cTn xmlns:p14="http://schemas.microsoft.com/office/powerpoint/2010/main" id="1" dur="indefinite" restart="never" nodeType="tmRoot"/>
+        <p:cTn id="1" dur="indefinite" restart="never" nodeType="tmRoot"/>
       </p:par>
     </p:tnLst>
   </p:timing>
@@ -5417,7 +5424,7 @@
   <p:timing>
     <p:tnLst>
       <p:par>
-        <p:cTn xmlns:p14="http://schemas.microsoft.com/office/powerpoint/2010/main" id="1" dur="indefinite" restart="never" nodeType="tmRoot"/>
+        <p:cTn id="1" dur="indefinite" restart="never" nodeType="tmRoot"/>
       </p:par>
     </p:tnLst>
   </p:timing>
@@ -5614,7 +5621,7 @@
   <p:timing>
     <p:tnLst>
       <p:par>
-        <p:cTn xmlns:p14="http://schemas.microsoft.com/office/powerpoint/2010/main" id="1" dur="indefinite" restart="never" nodeType="tmRoot"/>
+        <p:cTn id="1" dur="indefinite" restart="never" nodeType="tmRoot"/>
       </p:par>
     </p:tnLst>
   </p:timing>
@@ -5733,14 +5740,14 @@
           </a:ln>
           <a:extLst>
             <a:ext uri="{909E8E84-426E-40dd-AFC4-6F175D3DCCD1}">
-              <a14:hiddenFill xmlns:a14="http://schemas.microsoft.com/office/drawing/2010/main">
+              <a14:hiddenFill xmlns:a14="http://schemas.microsoft.com/office/drawing/2010/main" xmlns="">
                 <a:solidFill>
                   <a:srgbClr val="FFFFFF"/>
                 </a:solidFill>
               </a14:hiddenFill>
             </a:ext>
             <a:ext uri="{91240B29-F687-4f45-9708-019B960494DF}">
-              <a14:hiddenLine xmlns:a14="http://schemas.microsoft.com/office/drawing/2010/main" w="9525">
+              <a14:hiddenLine xmlns:a14="http://schemas.microsoft.com/office/drawing/2010/main" xmlns="" w="9525">
                 <a:solidFill>
                   <a:srgbClr val="000000"/>
                 </a:solidFill>
@@ -5765,7 +5772,7 @@
   <p:timing>
     <p:tnLst>
       <p:par>
-        <p:cTn xmlns:p14="http://schemas.microsoft.com/office/powerpoint/2010/main" id="1" dur="indefinite" restart="never" nodeType="tmRoot"/>
+        <p:cTn id="1" dur="indefinite" restart="never" nodeType="tmRoot"/>
       </p:par>
     </p:tnLst>
   </p:timing>
@@ -5900,7 +5907,7 @@
   <p:timing>
     <p:tnLst>
       <p:par>
-        <p:cTn xmlns:p14="http://schemas.microsoft.com/office/powerpoint/2010/main" id="1" dur="indefinite" restart="never" nodeType="tmRoot"/>
+        <p:cTn id="1" dur="indefinite" restart="never" nodeType="tmRoot"/>
       </p:par>
     </p:tnLst>
   </p:timing>
@@ -6135,7 +6142,7 @@
   <p:timing>
     <p:tnLst>
       <p:par>
-        <p:cTn xmlns:p14="http://schemas.microsoft.com/office/powerpoint/2010/main" id="1" dur="indefinite" restart="never" nodeType="tmRoot"/>
+        <p:cTn id="1" dur="indefinite" restart="never" nodeType="tmRoot"/>
       </p:par>
     </p:tnLst>
   </p:timing>
@@ -6338,7 +6345,7 @@
   <p:timing>
     <p:tnLst>
       <p:par>
-        <p:cTn xmlns:p14="http://schemas.microsoft.com/office/powerpoint/2010/main" id="1" dur="indefinite" restart="never" nodeType="tmRoot"/>
+        <p:cTn id="1" dur="indefinite" restart="never" nodeType="tmRoot"/>
       </p:par>
     </p:tnLst>
   </p:timing>
@@ -6522,7 +6529,7 @@
   <p:timing>
     <p:tnLst>
       <p:par>
-        <p:cTn xmlns:p14="http://schemas.microsoft.com/office/powerpoint/2010/main" id="1" dur="indefinite" restart="never" nodeType="tmRoot"/>
+        <p:cTn id="1" dur="indefinite" restart="never" nodeType="tmRoot"/>
       </p:par>
     </p:tnLst>
   </p:timing>
@@ -6588,7 +6595,7 @@
         </p:nvGraphicFramePr>
         <p:xfrm>
           <a:off x="242048" y="1852519"/>
-          <a:ext cx="8597152" cy="4611508"/>
+          <a:ext cx="8597152" cy="4611509"/>
         </p:xfrm>
         <a:graphic>
           <a:graphicData uri="http://schemas.openxmlformats.org/drawingml/2006/table">
@@ -7605,7 +7612,7 @@
   <p:timing>
     <p:tnLst>
       <p:par>
-        <p:cTn xmlns:p14="http://schemas.microsoft.com/office/powerpoint/2010/main" id="1" dur="indefinite" restart="never" nodeType="tmRoot"/>
+        <p:cTn id="1" dur="indefinite" restart="never" nodeType="tmRoot"/>
       </p:par>
     </p:tnLst>
   </p:timing>
@@ -7754,7 +7761,7 @@
   <p:timing>
     <p:tnLst>
       <p:par>
-        <p:cTn xmlns:p14="http://schemas.microsoft.com/office/powerpoint/2010/main" id="1" dur="indefinite" restart="never" nodeType="tmRoot"/>
+        <p:cTn id="1" dur="indefinite" restart="never" nodeType="tmRoot"/>
       </p:par>
     </p:tnLst>
   </p:timing>
@@ -7985,7 +7992,7 @@
   <p:timing>
     <p:tnLst>
       <p:par>
-        <p:cTn xmlns:p14="http://schemas.microsoft.com/office/powerpoint/2010/main" id="1" dur="indefinite" restart="never" nodeType="tmRoot"/>
+        <p:cTn id="1" dur="indefinite" restart="never" nodeType="tmRoot"/>
       </p:par>
     </p:tnLst>
   </p:timing>
@@ -8099,7 +8106,7 @@
   <p:timing>
     <p:tnLst>
       <p:par>
-        <p:cTn xmlns:p14="http://schemas.microsoft.com/office/powerpoint/2010/main" id="1" dur="indefinite" restart="never" nodeType="tmRoot"/>
+        <p:cTn id="1" dur="indefinite" restart="never" nodeType="tmRoot"/>
       </p:par>
     </p:tnLst>
   </p:timing>
@@ -8290,7 +8297,7 @@
   <p:timing>
     <p:tnLst>
       <p:par>
-        <p:cTn xmlns:p14="http://schemas.microsoft.com/office/powerpoint/2010/main" id="1" dur="indefinite" restart="never" nodeType="tmRoot"/>
+        <p:cTn id="1" dur="indefinite" restart="never" nodeType="tmRoot"/>
       </p:par>
     </p:tnLst>
   </p:timing>
@@ -8401,7 +8408,7 @@
           <a:noFill/>
           <a:extLst>
             <a:ext uri="{909E8E84-426E-40dd-AFC4-6F175D3DCCD1}">
-              <a14:hiddenFill xmlns:a14="http://schemas.microsoft.com/office/drawing/2010/main">
+              <a14:hiddenFill xmlns:a14="http://schemas.microsoft.com/office/drawing/2010/main" xmlns="">
                 <a:solidFill>
                   <a:srgbClr val="FFFFFF"/>
                 </a:solidFill>
@@ -8423,7 +8430,7 @@
   <p:timing>
     <p:tnLst>
       <p:par>
-        <p:cTn xmlns:p14="http://schemas.microsoft.com/office/powerpoint/2010/main" id="1" dur="indefinite" restart="never" nodeType="tmRoot"/>
+        <p:cTn id="1" dur="indefinite" restart="never" nodeType="tmRoot"/>
       </p:par>
     </p:tnLst>
   </p:timing>
@@ -8557,7 +8564,7 @@
   <p:timing>
     <p:tnLst>
       <p:par>
-        <p:cTn xmlns:p14="http://schemas.microsoft.com/office/powerpoint/2010/main" id="1" dur="indefinite" restart="never" nodeType="tmRoot"/>
+        <p:cTn id="1" dur="indefinite" restart="never" nodeType="tmRoot"/>
       </p:par>
     </p:tnLst>
   </p:timing>
@@ -8732,7 +8739,7 @@
   <p:timing>
     <p:tnLst>
       <p:par>
-        <p:cTn xmlns:p14="http://schemas.microsoft.com/office/powerpoint/2010/main" id="1" dur="indefinite" restart="never" nodeType="tmRoot"/>
+        <p:cTn id="1" dur="indefinite" restart="never" nodeType="tmRoot"/>
       </p:par>
     </p:tnLst>
   </p:timing>
@@ -8904,7 +8911,7 @@
   <p:timing>
     <p:tnLst>
       <p:par>
-        <p:cTn xmlns:p14="http://schemas.microsoft.com/office/powerpoint/2010/main" id="1" dur="indefinite" restart="never" nodeType="tmRoot"/>
+        <p:cTn id="1" dur="indefinite" restart="never" nodeType="tmRoot"/>
       </p:par>
     </p:tnLst>
   </p:timing>
@@ -9043,7 +9050,7 @@
   <p:timing>
     <p:tnLst>
       <p:par>
-        <p:cTn xmlns:p14="http://schemas.microsoft.com/office/powerpoint/2010/main" id="1" dur="indefinite" restart="never" nodeType="tmRoot"/>
+        <p:cTn id="1" dur="indefinite" restart="never" nodeType="tmRoot"/>
       </p:par>
     </p:tnLst>
   </p:timing>
@@ -9231,7 +9238,7 @@
   <p:timing>
     <p:tnLst>
       <p:par>
-        <p:cTn xmlns:p14="http://schemas.microsoft.com/office/powerpoint/2010/main" id="1" dur="indefinite" restart="never" nodeType="tmRoot"/>
+        <p:cTn id="1" dur="indefinite" restart="never" nodeType="tmRoot"/>
       </p:par>
     </p:tnLst>
   </p:timing>
@@ -9303,13 +9310,8 @@
           <a:p>
             <a:r>
               <a:rPr lang="en-US" dirty="0" smtClean="0"/>
-              <a:t>White board to explain </a:t>
-            </a:r>
-            <a:r>
-              <a:rPr lang="en-US" smtClean="0"/>
-              <a:t>the concept</a:t>
-            </a:r>
-            <a:endParaRPr lang="en-US" dirty="0" smtClean="0"/>
+              <a:t>White board to explain the concept</a:t>
+            </a:r>
           </a:p>
           <a:p>
             <a:pPr lvl="1"/>
@@ -9435,6 +9437,13 @@
   <p:clrMapOvr>
     <a:masterClrMapping/>
   </p:clrMapOvr>
+  <p:timing>
+    <p:tnLst>
+      <p:par>
+        <p:cTn id="1" dur="indefinite" restart="never" nodeType="tmRoot"/>
+      </p:par>
+    </p:tnLst>
+  </p:timing>
 </p:sld>
 </file>
 
@@ -9608,14 +9617,14 @@
           </a:ln>
           <a:extLst>
             <a:ext uri="{909E8E84-426E-40dd-AFC4-6F175D3DCCD1}">
-              <a14:hiddenFill xmlns:a14="http://schemas.microsoft.com/office/drawing/2010/main">
+              <a14:hiddenFill xmlns:a14="http://schemas.microsoft.com/office/drawing/2010/main" xmlns="">
                 <a:solidFill>
                   <a:srgbClr val="FFFFFF"/>
                 </a:solidFill>
               </a14:hiddenFill>
             </a:ext>
             <a:ext uri="{91240B29-F687-4f45-9708-019B960494DF}">
-              <a14:hiddenLine xmlns:a14="http://schemas.microsoft.com/office/drawing/2010/main" w="9525">
+              <a14:hiddenLine xmlns:a14="http://schemas.microsoft.com/office/drawing/2010/main" xmlns="" w="9525">
                 <a:solidFill>
                   <a:srgbClr val="000000"/>
                 </a:solidFill>
@@ -9776,14 +9785,14 @@
           </a:ln>
           <a:extLst>
             <a:ext uri="{909E8E84-426E-40dd-AFC4-6F175D3DCCD1}">
-              <a14:hiddenFill xmlns:a14="http://schemas.microsoft.com/office/drawing/2010/main">
+              <a14:hiddenFill xmlns:a14="http://schemas.microsoft.com/office/drawing/2010/main" xmlns="">
                 <a:solidFill>
                   <a:srgbClr val="FFFFFF"/>
                 </a:solidFill>
               </a14:hiddenFill>
             </a:ext>
             <a:ext uri="{91240B29-F687-4f45-9708-019B960494DF}">
-              <a14:hiddenLine xmlns:a14="http://schemas.microsoft.com/office/drawing/2010/main" w="9525">
+              <a14:hiddenLine xmlns:a14="http://schemas.microsoft.com/office/drawing/2010/main" xmlns="" w="9525">
                 <a:solidFill>
                   <a:srgbClr val="000000"/>
                 </a:solidFill>
@@ -10262,11 +10271,11 @@
   <p:clrMapOvr>
     <a:masterClrMapping/>
   </p:clrMapOvr>
-  <p:transition xmlns:p14="http://schemas.microsoft.com/office/powerpoint/2010/main" spd="slow"/>
+  <p:transition spd="slow"/>
   <p:timing>
     <p:tnLst>
       <p:par>
-        <p:cTn xmlns:p14="http://schemas.microsoft.com/office/powerpoint/2010/main" id="1" dur="indefinite" restart="never" nodeType="tmRoot">
+        <p:cTn id="1" dur="indefinite" restart="never" nodeType="tmRoot">
           <p:childTnLst>
             <p:seq concurrent="1" nextAc="seek">
               <p:cTn id="2" dur="indefinite" nodeType="mainSeq">
@@ -11534,14 +11543,14 @@
           </a:ln>
           <a:extLst>
             <a:ext uri="{909E8E84-426E-40dd-AFC4-6F175D3DCCD1}">
-              <a14:hiddenFill xmlns:a14="http://schemas.microsoft.com/office/drawing/2010/main">
+              <a14:hiddenFill xmlns:a14="http://schemas.microsoft.com/office/drawing/2010/main" xmlns="">
                 <a:solidFill>
                   <a:srgbClr val="FFFFFF"/>
                 </a:solidFill>
               </a14:hiddenFill>
             </a:ext>
             <a:ext uri="{91240B29-F687-4f45-9708-019B960494DF}">
-              <a14:hiddenLine xmlns:a14="http://schemas.microsoft.com/office/drawing/2010/main" w="9525">
+              <a14:hiddenLine xmlns:a14="http://schemas.microsoft.com/office/drawing/2010/main" xmlns="" w="9525">
                 <a:solidFill>
                   <a:srgbClr val="000000"/>
                 </a:solidFill>
@@ -11702,14 +11711,14 @@
           </a:ln>
           <a:extLst>
             <a:ext uri="{909E8E84-426E-40dd-AFC4-6F175D3DCCD1}">
-              <a14:hiddenFill xmlns:a14="http://schemas.microsoft.com/office/drawing/2010/main">
+              <a14:hiddenFill xmlns:a14="http://schemas.microsoft.com/office/drawing/2010/main" xmlns="">
                 <a:solidFill>
                   <a:srgbClr val="FFFFFF"/>
                 </a:solidFill>
               </a14:hiddenFill>
             </a:ext>
             <a:ext uri="{91240B29-F687-4f45-9708-019B960494DF}">
-              <a14:hiddenLine xmlns:a14="http://schemas.microsoft.com/office/drawing/2010/main" w="9525">
+              <a14:hiddenLine xmlns:a14="http://schemas.microsoft.com/office/drawing/2010/main" xmlns="" w="9525">
                 <a:solidFill>
                   <a:srgbClr val="000000"/>
                 </a:solidFill>
@@ -12179,11 +12188,11 @@
   <p:clrMapOvr>
     <a:masterClrMapping/>
   </p:clrMapOvr>
-  <p:transition xmlns:p14="http://schemas.microsoft.com/office/powerpoint/2010/main" spd="slow"/>
+  <p:transition spd="slow"/>
   <p:timing>
     <p:tnLst>
       <p:par>
-        <p:cTn xmlns:p14="http://schemas.microsoft.com/office/powerpoint/2010/main" id="1" dur="indefinite" restart="never" nodeType="tmRoot">
+        <p:cTn id="1" dur="indefinite" restart="never" nodeType="tmRoot">
           <p:childTnLst>
             <p:seq concurrent="1" nextAc="seek">
               <p:cTn id="2" dur="indefinite" nodeType="mainSeq">
@@ -13671,7 +13680,7 @@
   <p:timing>
     <p:tnLst>
       <p:par>
-        <p:cTn xmlns:p14="http://schemas.microsoft.com/office/powerpoint/2010/main" id="1" dur="indefinite" restart="never" nodeType="tmRoot"/>
+        <p:cTn id="1" dur="indefinite" restart="never" nodeType="tmRoot"/>
       </p:par>
     </p:tnLst>
   </p:timing>
@@ -13851,7 +13860,7 @@
   <p:timing>
     <p:tnLst>
       <p:par>
-        <p:cTn xmlns:p14="http://schemas.microsoft.com/office/powerpoint/2010/main" id="1" dur="indefinite" restart="never" nodeType="tmRoot"/>
+        <p:cTn id="1" dur="indefinite" restart="never" nodeType="tmRoot"/>
       </p:par>
     </p:tnLst>
   </p:timing>
@@ -13917,7 +13926,7 @@
         <p:spPr/>
         <p:txBody>
           <a:bodyPr>
-            <a:normAutofit fontScale="92500" lnSpcReduction="10000"/>
+            <a:normAutofit fontScale="92500"/>
           </a:bodyPr>
           <a:lstStyle/>
           <a:p>
@@ -14005,7 +14014,7 @@
   <p:timing>
     <p:tnLst>
       <p:par>
-        <p:cTn xmlns:p14="http://schemas.microsoft.com/office/powerpoint/2010/main" id="1" dur="indefinite" restart="never" nodeType="tmRoot"/>
+        <p:cTn id="1" dur="indefinite" restart="never" nodeType="tmRoot"/>
       </p:par>
     </p:tnLst>
   </p:timing>
@@ -14118,7 +14127,7 @@
   <p:timing>
     <p:tnLst>
       <p:par>
-        <p:cTn xmlns:p14="http://schemas.microsoft.com/office/powerpoint/2010/main" id="1" dur="indefinite" restart="never" nodeType="tmRoot"/>
+        <p:cTn id="1" dur="indefinite" restart="never" nodeType="tmRoot"/>
       </p:par>
     </p:tnLst>
   </p:timing>
@@ -15002,7 +15011,7 @@
   <p:timing>
     <p:tnLst>
       <p:par>
-        <p:cTn xmlns:p14="http://schemas.microsoft.com/office/powerpoint/2010/main" id="1" dur="indefinite" restart="never" nodeType="tmRoot"/>
+        <p:cTn id="1" dur="indefinite" restart="never" nodeType="tmRoot"/>
       </p:par>
     </p:tnLst>
   </p:timing>
@@ -15145,7 +15154,7 @@
   <p:timing>
     <p:tnLst>
       <p:par>
-        <p:cTn xmlns:p14="http://schemas.microsoft.com/office/powerpoint/2010/main" id="1" dur="indefinite" restart="never" nodeType="tmRoot"/>
+        <p:cTn id="1" dur="indefinite" restart="never" nodeType="tmRoot"/>
       </p:par>
     </p:tnLst>
   </p:timing>
@@ -15322,14 +15331,14 @@
           </a:ln>
           <a:extLst>
             <a:ext uri="{909E8E84-426E-40dd-AFC4-6F175D3DCCD1}">
-              <a14:hiddenFill xmlns:a14="http://schemas.microsoft.com/office/drawing/2010/main">
+              <a14:hiddenFill xmlns:a14="http://schemas.microsoft.com/office/drawing/2010/main" xmlns="">
                 <a:solidFill>
                   <a:srgbClr val="FFFFFF"/>
                 </a:solidFill>
               </a14:hiddenFill>
             </a:ext>
             <a:ext uri="{91240B29-F687-4f45-9708-019B960494DF}">
-              <a14:hiddenLine xmlns:a14="http://schemas.microsoft.com/office/drawing/2010/main" w="9525">
+              <a14:hiddenLine xmlns:a14="http://schemas.microsoft.com/office/drawing/2010/main" xmlns="" w="9525">
                 <a:solidFill>
                   <a:srgbClr val="000000"/>
                 </a:solidFill>
@@ -15490,14 +15499,14 @@
           </a:ln>
           <a:extLst>
             <a:ext uri="{909E8E84-426E-40dd-AFC4-6F175D3DCCD1}">
-              <a14:hiddenFill xmlns:a14="http://schemas.microsoft.com/office/drawing/2010/main">
+              <a14:hiddenFill xmlns:a14="http://schemas.microsoft.com/office/drawing/2010/main" xmlns="">
                 <a:solidFill>
                   <a:srgbClr val="FFFFFF"/>
                 </a:solidFill>
               </a14:hiddenFill>
             </a:ext>
             <a:ext uri="{91240B29-F687-4f45-9708-019B960494DF}">
-              <a14:hiddenLine xmlns:a14="http://schemas.microsoft.com/office/drawing/2010/main" w="9525">
+              <a14:hiddenLine xmlns:a14="http://schemas.microsoft.com/office/drawing/2010/main" xmlns="" w="9525">
                 <a:solidFill>
                   <a:srgbClr val="000000"/>
                 </a:solidFill>
@@ -16041,11 +16050,11 @@
   <p:clrMapOvr>
     <a:masterClrMapping/>
   </p:clrMapOvr>
-  <p:transition xmlns:p14="http://schemas.microsoft.com/office/powerpoint/2010/main" spd="slow"/>
+  <p:transition spd="slow"/>
   <p:timing>
     <p:tnLst>
       <p:par>
-        <p:cTn xmlns:p14="http://schemas.microsoft.com/office/powerpoint/2010/main" id="1" dur="indefinite" restart="never" nodeType="tmRoot">
+        <p:cTn id="1" dur="indefinite" restart="never" nodeType="tmRoot">
           <p:childTnLst>
             <p:seq concurrent="1" nextAc="seek">
               <p:cTn id="2" dur="indefinite" nodeType="mainSeq">
@@ -17048,7 +17057,7 @@
   <p:timing>
     <p:tnLst>
       <p:par>
-        <p:cTn xmlns:p14="http://schemas.microsoft.com/office/powerpoint/2010/main" id="1" dur="indefinite" restart="never" nodeType="tmRoot"/>
+        <p:cTn id="1" dur="indefinite" restart="never" nodeType="tmRoot"/>
       </p:par>
     </p:tnLst>
   </p:timing>
@@ -17179,7 +17188,7 @@
   <p:timing>
     <p:tnLst>
       <p:par>
-        <p:cTn xmlns:p14="http://schemas.microsoft.com/office/powerpoint/2010/main" id="1" dur="indefinite" restart="never" nodeType="tmRoot"/>
+        <p:cTn id="1" dur="indefinite" restart="never" nodeType="tmRoot"/>
       </p:par>
     </p:tnLst>
   </p:timing>
@@ -17325,7 +17334,7 @@
   <p:timing>
     <p:tnLst>
       <p:par>
-        <p:cTn xmlns:p14="http://schemas.microsoft.com/office/powerpoint/2010/main" id="1" dur="indefinite" restart="never" nodeType="tmRoot"/>
+        <p:cTn id="1" dur="indefinite" restart="never" nodeType="tmRoot"/>
       </p:par>
     </p:tnLst>
   </p:timing>
@@ -17463,7 +17472,7 @@
   <p:timing>
     <p:tnLst>
       <p:par>
-        <p:cTn xmlns:p14="http://schemas.microsoft.com/office/powerpoint/2010/main" id="1" dur="indefinite" restart="never" nodeType="tmRoot"/>
+        <p:cTn id="1" dur="indefinite" restart="never" nodeType="tmRoot"/>
       </p:par>
     </p:tnLst>
   </p:timing>
@@ -17569,14 +17578,14 @@
           </a:ln>
           <a:extLst>
             <a:ext uri="{909E8E84-426E-40dd-AFC4-6F175D3DCCD1}">
-              <a14:hiddenFill xmlns:a14="http://schemas.microsoft.com/office/drawing/2010/main">
+              <a14:hiddenFill xmlns:a14="http://schemas.microsoft.com/office/drawing/2010/main" xmlns="">
                 <a:solidFill>
                   <a:srgbClr val="FFFFFF"/>
                 </a:solidFill>
               </a14:hiddenFill>
             </a:ext>
             <a:ext uri="{91240B29-F687-4f45-9708-019B960494DF}">
-              <a14:hiddenLine xmlns:a14="http://schemas.microsoft.com/office/drawing/2010/main" w="9525">
+              <a14:hiddenLine xmlns:a14="http://schemas.microsoft.com/office/drawing/2010/main" xmlns="" w="9525">
                 <a:solidFill>
                   <a:srgbClr val="000000"/>
                 </a:solidFill>
@@ -17625,7 +17634,7 @@
   <p:timing>
     <p:tnLst>
       <p:par>
-        <p:cTn xmlns:p14="http://schemas.microsoft.com/office/powerpoint/2010/main" id="1" dur="indefinite" restart="never" nodeType="tmRoot"/>
+        <p:cTn id="1" dur="indefinite" restart="never" nodeType="tmRoot"/>
       </p:par>
     </p:tnLst>
   </p:timing>
@@ -17966,7 +17975,7 @@
   <p:timing>
     <p:tnLst>
       <p:par>
-        <p:cTn xmlns:p14="http://schemas.microsoft.com/office/powerpoint/2010/main" id="1" dur="indefinite" restart="never" nodeType="tmRoot"/>
+        <p:cTn id="1" dur="indefinite" restart="never" nodeType="tmRoot"/>
       </p:par>
     </p:tnLst>
   </p:timing>
@@ -18128,7 +18137,7 @@
   <p:timing>
     <p:tnLst>
       <p:par>
-        <p:cTn xmlns:p14="http://schemas.microsoft.com/office/powerpoint/2010/main" id="1" dur="indefinite" restart="never" nodeType="tmRoot"/>
+        <p:cTn id="1" dur="indefinite" restart="never" nodeType="tmRoot"/>
       </p:par>
     </p:tnLst>
   </p:timing>
@@ -18302,7 +18311,7 @@
   <p:timing>
     <p:tnLst>
       <p:par>
-        <p:cTn xmlns:p14="http://schemas.microsoft.com/office/powerpoint/2010/main" id="1" dur="indefinite" restart="never" nodeType="tmRoot"/>
+        <p:cTn id="1" dur="indefinite" restart="never" nodeType="tmRoot"/>
       </p:par>
     </p:tnLst>
   </p:timing>
@@ -18451,7 +18460,7 @@
   <p:timing>
     <p:tnLst>
       <p:par>
-        <p:cTn xmlns:p14="http://schemas.microsoft.com/office/powerpoint/2010/main" id="1" dur="indefinite" restart="never" nodeType="tmRoot"/>
+        <p:cTn id="1" dur="indefinite" restart="never" nodeType="tmRoot"/>
       </p:par>
     </p:tnLst>
   </p:timing>
@@ -19252,7 +19261,7 @@
           </a:effectLst>
           <a:extLst>
             <a:ext uri="{909E8E84-426E-40dd-AFC4-6F175D3DCCD1}">
-              <a14:hiddenFill xmlns:a14="http://schemas.microsoft.com/office/drawing/2010/main">
+              <a14:hiddenFill xmlns:a14="http://schemas.microsoft.com/office/drawing/2010/main" xmlns="">
                 <a:noFill/>
               </a14:hiddenFill>
             </a:ext>
@@ -19297,7 +19306,7 @@
           </a:effectLst>
           <a:extLst>
             <a:ext uri="{909E8E84-426E-40dd-AFC4-6F175D3DCCD1}">
-              <a14:hiddenFill xmlns:a14="http://schemas.microsoft.com/office/drawing/2010/main">
+              <a14:hiddenFill xmlns:a14="http://schemas.microsoft.com/office/drawing/2010/main" xmlns="">
                 <a:noFill/>
               </a14:hiddenFill>
             </a:ext>
@@ -19317,7 +19326,7 @@
   <p:timing>
     <p:tnLst>
       <p:par>
-        <p:cTn xmlns:p14="http://schemas.microsoft.com/office/powerpoint/2010/main" id="1" dur="indefinite" restart="never" nodeType="tmRoot"/>
+        <p:cTn id="1" dur="indefinite" restart="never" nodeType="tmRoot"/>
       </p:par>
     </p:tnLst>
   </p:timing>
@@ -19783,14 +19792,14 @@
           </a:ln>
           <a:extLst>
             <a:ext uri="{909E8E84-426E-40dd-AFC4-6F175D3DCCD1}">
-              <a14:hiddenFill xmlns:a14="http://schemas.microsoft.com/office/drawing/2010/main">
+              <a14:hiddenFill xmlns:a14="http://schemas.microsoft.com/office/drawing/2010/main" xmlns="">
                 <a:solidFill>
                   <a:srgbClr val="FFFFFF"/>
                 </a:solidFill>
               </a14:hiddenFill>
             </a:ext>
             <a:ext uri="{91240B29-F687-4f45-9708-019B960494DF}">
-              <a14:hiddenLine xmlns:a14="http://schemas.microsoft.com/office/drawing/2010/main" w="9525">
+              <a14:hiddenLine xmlns:a14="http://schemas.microsoft.com/office/drawing/2010/main" xmlns="" w="9525">
                 <a:solidFill>
                   <a:srgbClr val="000000"/>
                 </a:solidFill>
@@ -19951,14 +19960,14 @@
           </a:ln>
           <a:extLst>
             <a:ext uri="{909E8E84-426E-40dd-AFC4-6F175D3DCCD1}">
-              <a14:hiddenFill xmlns:a14="http://schemas.microsoft.com/office/drawing/2010/main">
+              <a14:hiddenFill xmlns:a14="http://schemas.microsoft.com/office/drawing/2010/main" xmlns="">
                 <a:solidFill>
                   <a:srgbClr val="FFFFFF"/>
                 </a:solidFill>
               </a14:hiddenFill>
             </a:ext>
             <a:ext uri="{91240B29-F687-4f45-9708-019B960494DF}">
-              <a14:hiddenLine xmlns:a14="http://schemas.microsoft.com/office/drawing/2010/main" w="9525">
+              <a14:hiddenLine xmlns:a14="http://schemas.microsoft.com/office/drawing/2010/main" xmlns="" w="9525">
                 <a:solidFill>
                   <a:srgbClr val="000000"/>
                 </a:solidFill>
@@ -20296,11 +20305,11 @@
   <p:clrMapOvr>
     <a:masterClrMapping/>
   </p:clrMapOvr>
-  <p:transition xmlns:p14="http://schemas.microsoft.com/office/powerpoint/2010/main" spd="slow"/>
+  <p:transition spd="slow"/>
   <p:timing>
     <p:tnLst>
       <p:par>
-        <p:cTn xmlns:p14="http://schemas.microsoft.com/office/powerpoint/2010/main" id="1" dur="indefinite" restart="never" nodeType="tmRoot">
+        <p:cTn id="1" dur="indefinite" restart="never" nodeType="tmRoot">
           <p:childTnLst>
             <p:seq concurrent="1" nextAc="seek">
               <p:cTn id="2" dur="indefinite" nodeType="mainSeq">
@@ -21620,7 +21629,7 @@
   <p:timing>
     <p:tnLst>
       <p:par>
-        <p:cTn xmlns:p14="http://schemas.microsoft.com/office/powerpoint/2010/main" id="1" dur="indefinite" restart="never" nodeType="tmRoot"/>
+        <p:cTn id="1" dur="indefinite" restart="never" nodeType="tmRoot"/>
       </p:par>
     </p:tnLst>
   </p:timing>
@@ -21797,14 +21806,14 @@
           </a:ln>
           <a:extLst>
             <a:ext uri="{909E8E84-426E-40dd-AFC4-6F175D3DCCD1}">
-              <a14:hiddenFill xmlns:a14="http://schemas.microsoft.com/office/drawing/2010/main">
+              <a14:hiddenFill xmlns:a14="http://schemas.microsoft.com/office/drawing/2010/main" xmlns="">
                 <a:solidFill>
                   <a:srgbClr val="FFFFFF"/>
                 </a:solidFill>
               </a14:hiddenFill>
             </a:ext>
             <a:ext uri="{91240B29-F687-4f45-9708-019B960494DF}">
-              <a14:hiddenLine xmlns:a14="http://schemas.microsoft.com/office/drawing/2010/main" w="9525">
+              <a14:hiddenLine xmlns:a14="http://schemas.microsoft.com/office/drawing/2010/main" xmlns="" w="9525">
                 <a:solidFill>
                   <a:srgbClr val="000000"/>
                 </a:solidFill>
@@ -21965,14 +21974,14 @@
           </a:ln>
           <a:extLst>
             <a:ext uri="{909E8E84-426E-40dd-AFC4-6F175D3DCCD1}">
-              <a14:hiddenFill xmlns:a14="http://schemas.microsoft.com/office/drawing/2010/main">
+              <a14:hiddenFill xmlns:a14="http://schemas.microsoft.com/office/drawing/2010/main" xmlns="">
                 <a:solidFill>
                   <a:srgbClr val="FFFFFF"/>
                 </a:solidFill>
               </a14:hiddenFill>
             </a:ext>
             <a:ext uri="{91240B29-F687-4f45-9708-019B960494DF}">
-              <a14:hiddenLine xmlns:a14="http://schemas.microsoft.com/office/drawing/2010/main" w="9525">
+              <a14:hiddenLine xmlns:a14="http://schemas.microsoft.com/office/drawing/2010/main" xmlns="" w="9525">
                 <a:solidFill>
                   <a:srgbClr val="000000"/>
                 </a:solidFill>
@@ -22582,11 +22591,11 @@
   <p:clrMapOvr>
     <a:masterClrMapping/>
   </p:clrMapOvr>
-  <p:transition xmlns:p14="http://schemas.microsoft.com/office/powerpoint/2010/main" spd="slow"/>
+  <p:transition spd="slow"/>
   <p:timing>
     <p:tnLst>
       <p:par>
-        <p:cTn xmlns:p14="http://schemas.microsoft.com/office/powerpoint/2010/main" id="1" dur="indefinite" restart="never" nodeType="tmRoot">
+        <p:cTn id="1" dur="indefinite" restart="never" nodeType="tmRoot">
           <p:childTnLst>
             <p:seq concurrent="1" nextAc="seek">
               <p:cTn id="2" dur="indefinite" nodeType="mainSeq">
@@ -24054,14 +24063,14 @@
           </a:ln>
           <a:extLst>
             <a:ext uri="{909E8E84-426E-40dd-AFC4-6F175D3DCCD1}">
-              <a14:hiddenFill xmlns:a14="http://schemas.microsoft.com/office/drawing/2010/main">
+              <a14:hiddenFill xmlns:a14="http://schemas.microsoft.com/office/drawing/2010/main" xmlns="">
                 <a:solidFill>
                   <a:srgbClr val="FFFFFF"/>
                 </a:solidFill>
               </a14:hiddenFill>
             </a:ext>
             <a:ext uri="{91240B29-F687-4f45-9708-019B960494DF}">
-              <a14:hiddenLine xmlns:a14="http://schemas.microsoft.com/office/drawing/2010/main" w="9525">
+              <a14:hiddenLine xmlns:a14="http://schemas.microsoft.com/office/drawing/2010/main" xmlns="" w="9525">
                 <a:solidFill>
                   <a:srgbClr val="000000"/>
                 </a:solidFill>
@@ -24222,14 +24231,14 @@
           </a:ln>
           <a:extLst>
             <a:ext uri="{909E8E84-426E-40dd-AFC4-6F175D3DCCD1}">
-              <a14:hiddenFill xmlns:a14="http://schemas.microsoft.com/office/drawing/2010/main">
+              <a14:hiddenFill xmlns:a14="http://schemas.microsoft.com/office/drawing/2010/main" xmlns="">
                 <a:solidFill>
                   <a:srgbClr val="FFFFFF"/>
                 </a:solidFill>
               </a14:hiddenFill>
             </a:ext>
             <a:ext uri="{91240B29-F687-4f45-9708-019B960494DF}">
-              <a14:hiddenLine xmlns:a14="http://schemas.microsoft.com/office/drawing/2010/main" w="9525">
+              <a14:hiddenLine xmlns:a14="http://schemas.microsoft.com/office/drawing/2010/main" xmlns="" w="9525">
                 <a:solidFill>
                   <a:srgbClr val="000000"/>
                 </a:solidFill>
@@ -24699,11 +24708,11 @@
   <p:clrMapOvr>
     <a:masterClrMapping/>
   </p:clrMapOvr>
-  <p:transition xmlns:p14="http://schemas.microsoft.com/office/powerpoint/2010/main" spd="slow"/>
+  <p:transition spd="slow"/>
   <p:timing>
     <p:tnLst>
       <p:par>
-        <p:cTn xmlns:p14="http://schemas.microsoft.com/office/powerpoint/2010/main" id="1" dur="indefinite" restart="never" nodeType="tmRoot">
+        <p:cTn id="1" dur="indefinite" restart="never" nodeType="tmRoot">
           <p:childTnLst>
             <p:seq concurrent="1" nextAc="seek">
               <p:cTn id="2" dur="indefinite" nodeType="mainSeq">
@@ -26010,7 +26019,7 @@
       </p:grpSpPr>
       <p:sp>
         <p:nvSpPr>
-          <p:cNvPr id="4" name="Title 3"/>
+          <p:cNvPr id="2" name="Title 1"/>
           <p:cNvSpPr>
             <a:spLocks noGrp="1"/>
           </p:cNvSpPr>
@@ -26025,7 +26034,7 @@
           <a:p>
             <a:r>
               <a:rPr lang="en-US" dirty="0" smtClean="0"/>
-              <a:t>Setup YARN</a:t>
+              <a:t>MapReduce</a:t>
             </a:r>
             <a:endParaRPr lang="en-US" dirty="0"/>
           </a:p>
@@ -26033,7 +26042,7 @@
       </p:sp>
       <p:sp>
         <p:nvSpPr>
-          <p:cNvPr id="2" name="Content Placeholder 1"/>
+          <p:cNvPr id="3" name="Content Placeholder 2"/>
           <p:cNvSpPr>
             <a:spLocks noGrp="1"/>
           </p:cNvSpPr>
@@ -26044,113 +26053,104 @@
         <p:spPr/>
         <p:txBody>
           <a:bodyPr>
-            <a:normAutofit fontScale="85000" lnSpcReduction="20000"/>
+            <a:normAutofit fontScale="92500" lnSpcReduction="20000"/>
           </a:bodyPr>
           <a:lstStyle/>
           <a:p>
-            <a:r>
-              <a:rPr lang="en-US" dirty="0" smtClean="0"/>
-              <a:t>Configure Slaves, Master and other components</a:t>
-            </a:r>
-          </a:p>
-          <a:p>
             <a:pPr lvl="1"/>
             <a:r>
-              <a:rPr lang="en-US" dirty="0" smtClean="0"/>
-              <a:t>Slaves: </a:t>
-            </a:r>
-            <a:r>
-              <a:rPr lang="en-US" dirty="0" err="1" smtClean="0"/>
-              <a:t>Nodemanager</a:t>
-            </a:r>
-            <a:r>
-              <a:rPr lang="en-US" dirty="0" smtClean="0"/>
-              <a:t> on all nodes</a:t>
+              <a:rPr lang="en-US" dirty="0"/>
+              <a:t>Map</a:t>
+            </a:r>
+          </a:p>
+          <a:p>
+            <a:pPr lvl="2"/>
+            <a:r>
+              <a:rPr lang="en-US" dirty="0"/>
+              <a:t>Reads data from HDFS</a:t>
+            </a:r>
+          </a:p>
+          <a:p>
+            <a:pPr lvl="2"/>
+            <a:r>
+              <a:rPr lang="en-US" dirty="0"/>
+              <a:t>Applies record level transformation, filtering </a:t>
+            </a:r>
+            <a:r>
+              <a:rPr lang="en-US" dirty="0" err="1"/>
+              <a:t>etc</a:t>
+            </a:r>
+            <a:endParaRPr lang="en-US" dirty="0"/>
+          </a:p>
+          <a:p>
+            <a:pPr lvl="2"/>
+            <a:r>
+              <a:rPr lang="en-US" dirty="0"/>
+              <a:t>Converts records into key and value tuples</a:t>
             </a:r>
           </a:p>
           <a:p>
             <a:pPr lvl="1"/>
             <a:r>
-              <a:rPr lang="en-US" dirty="0" smtClean="0"/>
-              <a:t>Master: </a:t>
-            </a:r>
-            <a:r>
-              <a:rPr lang="en-US" dirty="0" err="1" smtClean="0"/>
-              <a:t>Resourcemanager</a:t>
-            </a:r>
-            <a:r>
-              <a:rPr lang="en-US" dirty="0" smtClean="0"/>
-              <a:t> on one of the masters</a:t>
+              <a:rPr lang="en-US" dirty="0"/>
+              <a:t>Reduce</a:t>
+            </a:r>
+          </a:p>
+          <a:p>
+            <a:pPr lvl="2"/>
+            <a:r>
+              <a:rPr lang="en-US" dirty="0"/>
+              <a:t>Reads output of mapper in the form of key and array of values</a:t>
+            </a:r>
+          </a:p>
+          <a:p>
+            <a:pPr lvl="2"/>
+            <a:r>
+              <a:rPr lang="en-US" dirty="0"/>
+              <a:t>Used for aggregations, joins </a:t>
+            </a:r>
+            <a:r>
+              <a:rPr lang="en-US" dirty="0" err="1"/>
+              <a:t>etc</a:t>
+            </a:r>
+            <a:endParaRPr lang="en-US" dirty="0"/>
+          </a:p>
+          <a:p>
+            <a:pPr lvl="2"/>
+            <a:r>
+              <a:rPr lang="en-US" dirty="0"/>
+              <a:t>Writes data back to HDFS</a:t>
             </a:r>
           </a:p>
           <a:p>
             <a:pPr lvl="1"/>
             <a:r>
-              <a:rPr lang="en-US" dirty="0" smtClean="0"/>
-              <a:t>App timeline server on one of the masters</a:t>
-            </a:r>
-          </a:p>
-          <a:p>
-            <a:pPr lvl="1"/>
-            <a:r>
-              <a:rPr lang="en-US" dirty="0" err="1" smtClean="0"/>
-              <a:t>Historyserver</a:t>
-            </a:r>
-            <a:r>
-              <a:rPr lang="en-US" dirty="0" smtClean="0"/>
-              <a:t> on one of the masters</a:t>
-            </a:r>
-          </a:p>
-          <a:p>
-            <a:r>
-              <a:rPr lang="en-US" dirty="0" smtClean="0"/>
-              <a:t>Parameter files</a:t>
-            </a:r>
-          </a:p>
-          <a:p>
-            <a:r>
-              <a:rPr lang="en-US" dirty="0" smtClean="0"/>
-              <a:t>Understand important parameters</a:t>
-            </a:r>
-          </a:p>
-          <a:p>
-            <a:r>
-              <a:rPr lang="en-US" dirty="0" smtClean="0"/>
-              <a:t>Validation</a:t>
-            </a:r>
-          </a:p>
-          <a:p>
-            <a:r>
-              <a:rPr lang="en-US" dirty="0" smtClean="0"/>
-              <a:t>Verify logs</a:t>
-            </a:r>
-          </a:p>
-          <a:p>
-            <a:r>
-              <a:rPr lang="en-US" dirty="0" smtClean="0"/>
-              <a:t>Understand WI</a:t>
-            </a:r>
-          </a:p>
-          <a:p>
-            <a:r>
-              <a:rPr lang="en-US" dirty="0" smtClean="0"/>
-              <a:t>Understand YARN and </a:t>
-            </a:r>
-            <a:r>
-              <a:rPr lang="en-US" dirty="0" err="1" smtClean="0"/>
-              <a:t>mapreduce</a:t>
-            </a:r>
-            <a:r>
-              <a:rPr lang="en-US" dirty="0" smtClean="0"/>
-              <a:t> CLI</a:t>
-            </a:r>
+              <a:rPr lang="en-US" dirty="0"/>
+              <a:t>Shuffle and Sort</a:t>
+            </a:r>
+          </a:p>
+          <a:p>
+            <a:pPr lvl="2"/>
+            <a:r>
+              <a:rPr lang="en-US" dirty="0"/>
+              <a:t>Intermediate stage between Map and Reduce</a:t>
+            </a:r>
+          </a:p>
+          <a:p>
+            <a:pPr lvl="2"/>
+            <a:r>
+              <a:rPr lang="en-US" dirty="0"/>
+              <a:t>As the phrase suggests data will be shuffled and sorted (partitioned by key, group by key and sort by key)</a:t>
+            </a:r>
+          </a:p>
+          <a:p>
             <a:endParaRPr lang="en-US" dirty="0"/>
           </a:p>
         </p:txBody>
       </p:sp>
       <p:sp>
         <p:nvSpPr>
-          <p:cNvPr id="3" name="Slide Number Placeholder 2"/>
+          <p:cNvPr id="4" name="Slide Number Placeholder 3"/>
           <p:cNvSpPr>
             <a:spLocks noGrp="1"/>
           </p:cNvSpPr>
@@ -26175,20 +26175,13 @@
     </p:spTree>
     <p:extLst>
       <p:ext uri="{BB962C8B-B14F-4D97-AF65-F5344CB8AC3E}">
-        <p14:creationId xmlns:p14="http://schemas.microsoft.com/office/powerpoint/2010/main" val="54704839"/>
+        <p14:creationId xmlns:p14="http://schemas.microsoft.com/office/powerpoint/2010/main" val="227235082"/>
       </p:ext>
     </p:extLst>
   </p:cSld>
   <p:clrMapOvr>
     <a:masterClrMapping/>
   </p:clrMapOvr>
-  <p:timing>
-    <p:tnLst>
-      <p:par>
-        <p:cTn xmlns:p14="http://schemas.microsoft.com/office/powerpoint/2010/main" id="1" dur="indefinite" restart="never" nodeType="tmRoot"/>
-      </p:par>
-    </p:tnLst>
-  </p:timing>
 </p:sld>
 </file>
 
@@ -26211,7 +26204,7 @@
       </p:grpSpPr>
       <p:sp>
         <p:nvSpPr>
-          <p:cNvPr id="4" name="Title 3"/>
+          <p:cNvPr id="2" name="Title 1"/>
           <p:cNvSpPr>
             <a:spLocks noGrp="1"/>
           </p:cNvSpPr>
@@ -26225,8 +26218,20 @@
           <a:lstStyle/>
           <a:p>
             <a:r>
-              <a:rPr lang="en-US" dirty="0" smtClean="0"/>
-              <a:t>Configure Slaves and Masters</a:t>
+              <a:rPr lang="en-US" dirty="0" err="1" smtClean="0"/>
+              <a:t>Problem:</a:t>
+            </a:r>
+            <a:r>
+              <a:rPr lang="en-US" dirty="0" err="1"/>
+              <a:t>A</a:t>
+            </a:r>
+            <a:r>
+              <a:rPr lang="en-US" dirty="0"/>
+              <a:t> </a:t>
+            </a:r>
+            <a:r>
+              <a:rPr lang="en-US" dirty="0" smtClean="0"/>
+              <a:t>NYSE Dataset</a:t>
             </a:r>
             <a:endParaRPr lang="en-US" dirty="0"/>
           </a:p>
@@ -26234,7 +26239,7 @@
       </p:sp>
       <p:sp>
         <p:nvSpPr>
-          <p:cNvPr id="2" name="Content Placeholder 1"/>
+          <p:cNvPr id="3" name="Content Placeholder 2"/>
           <p:cNvSpPr>
             <a:spLocks noGrp="1"/>
           </p:cNvSpPr>
@@ -26244,54 +26249,195 @@
         </p:nvSpPr>
         <p:spPr/>
         <p:txBody>
-          <a:bodyPr/>
+          <a:bodyPr>
+            <a:normAutofit fontScale="47500" lnSpcReduction="20000"/>
+          </a:bodyPr>
           <a:lstStyle/>
           <a:p>
             <a:r>
-              <a:rPr lang="en-US" dirty="0" smtClean="0"/>
-              <a:t>Slaves</a:t>
-            </a:r>
-          </a:p>
-          <a:p>
-            <a:pPr lvl="1"/>
+              <a:rPr lang="en-US" dirty="0" err="1" smtClean="0">
+                <a:solidFill>
+                  <a:srgbClr val="00B050"/>
+                </a:solidFill>
+              </a:rPr>
+              <a:t>Symbol</a:t>
+            </a:r>
             <a:r>
               <a:rPr lang="en-US" dirty="0" err="1" smtClean="0"/>
-              <a:t>Nodemanager</a:t>
+              <a:t>,</a:t>
+            </a:r>
+            <a:r>
+              <a:rPr lang="en-US" dirty="0" err="1" smtClean="0">
+                <a:solidFill>
+                  <a:srgbClr val="FF0000"/>
+                </a:solidFill>
+              </a:rPr>
+              <a:t>Date</a:t>
+            </a:r>
+            <a:r>
+              <a:rPr lang="en-US" dirty="0" err="1" smtClean="0"/>
+              <a:t>,Open,Close,</a:t>
+            </a:r>
+            <a:r>
+              <a:rPr lang="en-US" dirty="0" err="1" smtClean="0">
+                <a:solidFill>
+                  <a:srgbClr val="00B0F0"/>
+                </a:solidFill>
+              </a:rPr>
+              <a:t>High</a:t>
+            </a:r>
+            <a:r>
+              <a:rPr lang="en-US" dirty="0" err="1" smtClean="0"/>
+              <a:t>,Low,Trade</a:t>
             </a:r>
             <a:endParaRPr lang="en-US" dirty="0" smtClean="0"/>
           </a:p>
           <a:p>
             <a:r>
               <a:rPr lang="en-US" dirty="0" smtClean="0"/>
-              <a:t>Masters</a:t>
-            </a:r>
-          </a:p>
-          <a:p>
-            <a:pPr lvl="1"/>
-            <a:r>
-              <a:rPr lang="en-US" dirty="0" err="1" smtClean="0"/>
-              <a:t>Resourcemanager</a:t>
-            </a:r>
-            <a:endParaRPr lang="en-US" dirty="0" smtClean="0"/>
-          </a:p>
-          <a:p>
-            <a:r>
-              <a:rPr lang="en-US" dirty="0" smtClean="0"/>
-              <a:t>App timeline server</a:t>
-            </a:r>
-          </a:p>
-          <a:p>
-            <a:r>
-              <a:rPr lang="en-US" dirty="0" smtClean="0"/>
-              <a:t>History server</a:t>
+              <a:t>A,01-Jan-2009,15.63,15.63,15.63,15.63,0</a:t>
             </a:r>
             <a:endParaRPr lang="en-US" dirty="0"/>
           </a:p>
-        </p:txBody>
-      </p:sp>
-      <p:sp>
-        <p:nvSpPr>
-          <p:cNvPr id="3" name="Slide Number Placeholder 2"/>
+          <a:p>
+            <a:r>
+              <a:rPr lang="en-US" dirty="0"/>
+              <a:t>AA,01-Jan-2009,11.26,11.26,11.26,11.26,0</a:t>
+            </a:r>
+          </a:p>
+          <a:p>
+            <a:r>
+              <a:rPr lang="en-US" dirty="0">
+                <a:solidFill>
+                  <a:srgbClr val="00B050"/>
+                </a:solidFill>
+              </a:rPr>
+              <a:t>AAP</a:t>
+            </a:r>
+            <a:r>
+              <a:rPr lang="en-US" dirty="0"/>
+              <a:t>,</a:t>
+            </a:r>
+            <a:r>
+              <a:rPr lang="en-US" dirty="0">
+                <a:solidFill>
+                  <a:srgbClr val="FF0000"/>
+                </a:solidFill>
+              </a:rPr>
+              <a:t>01-Jan-2009</a:t>
+            </a:r>
+            <a:r>
+              <a:rPr lang="en-US" dirty="0"/>
+              <a:t>,33.65,33.65,</a:t>
+            </a:r>
+            <a:r>
+              <a:rPr lang="en-US" dirty="0">
+                <a:solidFill>
+                  <a:srgbClr val="00B0F0"/>
+                </a:solidFill>
+              </a:rPr>
+              <a:t>33.65</a:t>
+            </a:r>
+            <a:r>
+              <a:rPr lang="en-US" dirty="0"/>
+              <a:t>,33.65,0</a:t>
+            </a:r>
+          </a:p>
+          <a:p>
+            <a:r>
+              <a:rPr lang="en-US" dirty="0"/>
+              <a:t>AAV,01-Jan-2009,4.21,4.21,4.21,4.21,0</a:t>
+            </a:r>
+          </a:p>
+          <a:p>
+            <a:r>
+              <a:rPr lang="en-US" dirty="0"/>
+              <a:t>AB,01-Jan-2009,20.79,20.79,20.79,20.79,0</a:t>
+            </a:r>
+          </a:p>
+          <a:p>
+            <a:r>
+              <a:rPr lang="en-US" dirty="0"/>
+              <a:t>ABB,01-Jan-2009,15.01,15.01,15.01,15.01,0</a:t>
+            </a:r>
+          </a:p>
+          <a:p>
+            <a:r>
+              <a:rPr lang="en-US" dirty="0"/>
+              <a:t>ABC,01-Jan-2009,17.83,17.83,17.83,17.83,0</a:t>
+            </a:r>
+          </a:p>
+          <a:p>
+            <a:r>
+              <a:rPr lang="en-US" dirty="0"/>
+              <a:t>ABG,01-Jan-2009,4.57,4.57,4.57,4.57,0</a:t>
+            </a:r>
+          </a:p>
+          <a:p>
+            <a:r>
+              <a:rPr lang="en-US" dirty="0"/>
+              <a:t>ABM,01-Jan-2009,19.05,19.05,19.05,19.05,0</a:t>
+            </a:r>
+          </a:p>
+          <a:p>
+            <a:r>
+              <a:rPr lang="en-US" dirty="0"/>
+              <a:t>ABR,01-Jan-2009,2.95,2.95,2.95,2.95,0</a:t>
+            </a:r>
+          </a:p>
+          <a:p>
+            <a:r>
+              <a:rPr lang="en-US" dirty="0"/>
+              <a:t>ABT,01-Jan-2009,53.37,53.37,53.37,53.37,0</a:t>
+            </a:r>
+          </a:p>
+          <a:p>
+            <a:r>
+              <a:rPr lang="en-US" dirty="0"/>
+              <a:t>ABX,01-Jan-2009,36.77,36.77,36.77,36.77,0</a:t>
+            </a:r>
+          </a:p>
+          <a:p>
+            <a:r>
+              <a:rPr lang="en-US" dirty="0"/>
+              <a:t>ACC,01-Jan-2009,20.48,20.48,20.48,20.48,0</a:t>
+            </a:r>
+          </a:p>
+          <a:p>
+            <a:r>
+              <a:rPr lang="en-US" dirty="0"/>
+              <a:t>ACE,01-Jan-2009,52.92,52.92,52.92,52.92,0</a:t>
+            </a:r>
+          </a:p>
+          <a:p>
+            <a:r>
+              <a:rPr lang="en-US" dirty="0"/>
+              <a:t>ACG,01-Jan-2009,7.08,7.08,7.08,7.08,0</a:t>
+            </a:r>
+          </a:p>
+          <a:p>
+            <a:r>
+              <a:rPr lang="en-US" dirty="0"/>
+              <a:t>ACH,01-Jan-2009,13.51,13.51,13.51,13.51,0</a:t>
+            </a:r>
+          </a:p>
+          <a:p>
+            <a:r>
+              <a:rPr lang="en-US" dirty="0"/>
+              <a:t>ACI,01-Jan-2009,16.29,16.29,16.29,16.29,0</a:t>
+            </a:r>
+          </a:p>
+          <a:p>
+            <a:r>
+              <a:rPr lang="en-US" dirty="0"/>
+              <a:t>ACM,01-Jan-2009,30.73,30.73,30.73,30.73,0</a:t>
+            </a:r>
+          </a:p>
+        </p:txBody>
+      </p:sp>
+      <p:sp>
+        <p:nvSpPr>
+          <p:cNvPr id="4" name="Slide Number Placeholder 3"/>
           <p:cNvSpPr>
             <a:spLocks noGrp="1"/>
           </p:cNvSpPr>
@@ -26316,20 +26462,13 @@
     </p:spTree>
     <p:extLst>
       <p:ext uri="{BB962C8B-B14F-4D97-AF65-F5344CB8AC3E}">
-        <p14:creationId xmlns:p14="http://schemas.microsoft.com/office/powerpoint/2010/main" val="187385788"/>
+        <p14:creationId xmlns:p14="http://schemas.microsoft.com/office/powerpoint/2010/main" val="3924203146"/>
       </p:ext>
     </p:extLst>
   </p:cSld>
   <p:clrMapOvr>
     <a:masterClrMapping/>
   </p:clrMapOvr>
-  <p:timing>
-    <p:tnLst>
-      <p:par>
-        <p:cTn xmlns:p14="http://schemas.microsoft.com/office/powerpoint/2010/main" id="1" dur="indefinite" restart="never" nodeType="tmRoot"/>
-      </p:par>
-    </p:tnLst>
-  </p:timing>
 </p:sld>
 </file>
 
@@ -26352,6 +26491,862 @@
       </p:grpSpPr>
       <p:sp>
         <p:nvSpPr>
+          <p:cNvPr id="2" name="Title 1"/>
+          <p:cNvSpPr>
+            <a:spLocks noGrp="1"/>
+          </p:cNvSpPr>
+          <p:nvPr>
+            <p:ph type="title"/>
+          </p:nvPr>
+        </p:nvSpPr>
+        <p:spPr/>
+        <p:txBody>
+          <a:bodyPr/>
+          <a:lstStyle/>
+          <a:p>
+            <a:r>
+              <a:rPr lang="en-US" dirty="0" smtClean="0"/>
+              <a:t>Issues With Unix/Java/</a:t>
+            </a:r>
+            <a:r>
+              <a:rPr lang="en-US" dirty="0" err="1" smtClean="0"/>
+              <a:t>etc</a:t>
+            </a:r>
+            <a:endParaRPr lang="en-US" dirty="0"/>
+          </a:p>
+        </p:txBody>
+      </p:sp>
+      <p:sp>
+        <p:nvSpPr>
+          <p:cNvPr id="3" name="Content Placeholder 2"/>
+          <p:cNvSpPr>
+            <a:spLocks noGrp="1"/>
+          </p:cNvSpPr>
+          <p:nvPr>
+            <p:ph idx="1"/>
+          </p:nvPr>
+        </p:nvSpPr>
+        <p:spPr/>
+        <p:txBody>
+          <a:bodyPr/>
+          <a:lstStyle/>
+          <a:p>
+            <a:endParaRPr lang="en-US"/>
+          </a:p>
+        </p:txBody>
+      </p:sp>
+      <p:sp>
+        <p:nvSpPr>
+          <p:cNvPr id="4" name="Slide Number Placeholder 3"/>
+          <p:cNvSpPr>
+            <a:spLocks noGrp="1"/>
+          </p:cNvSpPr>
+          <p:nvPr>
+            <p:ph type="sldNum" sz="quarter" idx="12"/>
+          </p:nvPr>
+        </p:nvSpPr>
+        <p:spPr/>
+        <p:txBody>
+          <a:bodyPr/>
+          <a:lstStyle/>
+          <a:p>
+            <a:fld id="{31E7C4D2-2F11-4011-AB4F-F84DBF4A0B01}" type="slidenum">
+              <a:rPr lang="en-US" smtClean="0"/>
+              <a:pPr/>
+              <a:t>55</a:t>
+            </a:fld>
+            <a:endParaRPr lang="en-US"/>
+          </a:p>
+        </p:txBody>
+      </p:sp>
+    </p:spTree>
+    <p:extLst>
+      <p:ext uri="{BB962C8B-B14F-4D97-AF65-F5344CB8AC3E}">
+        <p14:creationId xmlns:p14="http://schemas.microsoft.com/office/powerpoint/2010/main" val="3868617478"/>
+      </p:ext>
+    </p:extLst>
+  </p:cSld>
+  <p:clrMapOvr>
+    <a:masterClrMapping/>
+  </p:clrMapOvr>
+</p:sld>
+</file>
+
+<file path=ppt/slides/slide56.xml><?xml version="1.0" encoding="utf-8"?>
+<p:sld xmlns:a="http://schemas.openxmlformats.org/drawingml/2006/main" xmlns:r="http://schemas.openxmlformats.org/officeDocument/2006/relationships" xmlns:p="http://schemas.openxmlformats.org/presentationml/2006/main">
+  <p:cSld>
+    <p:spTree>
+      <p:nvGrpSpPr>
+        <p:cNvPr id="1" name=""/>
+        <p:cNvGrpSpPr/>
+        <p:nvPr/>
+      </p:nvGrpSpPr>
+      <p:grpSpPr>
+        <a:xfrm>
+          <a:off x="0" y="0"/>
+          <a:ext cx="0" cy="0"/>
+          <a:chOff x="0" y="0"/>
+          <a:chExt cx="0" cy="0"/>
+        </a:xfrm>
+      </p:grpSpPr>
+      <p:sp>
+        <p:nvSpPr>
+          <p:cNvPr id="2" name="Title 1"/>
+          <p:cNvSpPr>
+            <a:spLocks noGrp="1"/>
+          </p:cNvSpPr>
+          <p:nvPr>
+            <p:ph type="title"/>
+          </p:nvPr>
+        </p:nvSpPr>
+        <p:spPr/>
+        <p:txBody>
+          <a:bodyPr/>
+          <a:lstStyle/>
+          <a:p>
+            <a:r>
+              <a:rPr lang="en-US" dirty="0" smtClean="0"/>
+              <a:t>MAP</a:t>
+            </a:r>
+            <a:endParaRPr lang="en-US" dirty="0"/>
+          </a:p>
+        </p:txBody>
+      </p:sp>
+      <p:sp>
+        <p:nvSpPr>
+          <p:cNvPr id="3" name="Content Placeholder 2"/>
+          <p:cNvSpPr>
+            <a:spLocks noGrp="1"/>
+          </p:cNvSpPr>
+          <p:nvPr>
+            <p:ph idx="1"/>
+          </p:nvPr>
+        </p:nvSpPr>
+        <p:spPr/>
+        <p:txBody>
+          <a:bodyPr/>
+          <a:lstStyle/>
+          <a:p>
+            <a:r>
+              <a:rPr lang="en-US" dirty="0" smtClean="0"/>
+              <a:t>(</a:t>
+            </a:r>
+            <a:r>
+              <a:rPr lang="en-US" dirty="0" smtClean="0">
+                <a:solidFill>
+                  <a:srgbClr val="FF0000"/>
+                </a:solidFill>
+              </a:rPr>
+              <a:t>2009</a:t>
+            </a:r>
+            <a:r>
+              <a:rPr lang="en-US" dirty="0"/>
+              <a:t> , </a:t>
+            </a:r>
+            <a:r>
+              <a:rPr lang="en-US" dirty="0">
+                <a:solidFill>
+                  <a:srgbClr val="00B0F0"/>
+                </a:solidFill>
+              </a:rPr>
+              <a:t>[</a:t>
+            </a:r>
+            <a:r>
+              <a:rPr lang="en-US" dirty="0" smtClean="0">
+                <a:solidFill>
+                  <a:srgbClr val="00B0F0"/>
+                </a:solidFill>
+              </a:rPr>
+              <a:t>1112, 378,…])</a:t>
+            </a:r>
+          </a:p>
+          <a:p>
+            <a:r>
+              <a:rPr lang="en-US" dirty="0" smtClean="0"/>
+              <a:t>(</a:t>
+            </a:r>
+            <a:r>
+              <a:rPr lang="en-US" dirty="0">
+                <a:solidFill>
+                  <a:srgbClr val="FF0000"/>
+                </a:solidFill>
+              </a:rPr>
+              <a:t>2010</a:t>
+            </a:r>
+            <a:r>
+              <a:rPr lang="en-US" dirty="0"/>
+              <a:t> , </a:t>
+            </a:r>
+            <a:r>
+              <a:rPr lang="en-US" dirty="0">
+                <a:solidFill>
+                  <a:srgbClr val="00B0F0"/>
+                </a:solidFill>
+              </a:rPr>
+              <a:t>[</a:t>
+            </a:r>
+            <a:r>
+              <a:rPr lang="en-US" dirty="0">
+                <a:solidFill>
+                  <a:srgbClr val="00B0F0"/>
+                </a:solidFill>
+              </a:rPr>
+              <a:t>1211</a:t>
+            </a:r>
+            <a:r>
+              <a:rPr lang="en-US" dirty="0">
+                <a:solidFill>
+                  <a:srgbClr val="00B0F0"/>
+                </a:solidFill>
+              </a:rPr>
+              <a:t>, </a:t>
+            </a:r>
+            <a:r>
+              <a:rPr lang="en-US" dirty="0">
+                <a:solidFill>
+                  <a:srgbClr val="00B0F0"/>
+                </a:solidFill>
+              </a:rPr>
+              <a:t>278,56,…])</a:t>
+            </a:r>
+          </a:p>
+          <a:p>
+            <a:r>
+              <a:rPr lang="en-US" dirty="0" smtClean="0"/>
+              <a:t>(</a:t>
+            </a:r>
+            <a:r>
+              <a:rPr lang="en-US" dirty="0">
+                <a:solidFill>
+                  <a:srgbClr val="FF0000"/>
+                </a:solidFill>
+              </a:rPr>
+              <a:t>2011</a:t>
+            </a:r>
+            <a:r>
+              <a:rPr lang="en-US" dirty="0" smtClean="0"/>
+              <a:t>,  </a:t>
+            </a:r>
+            <a:r>
+              <a:rPr lang="en-US" dirty="0">
+                <a:solidFill>
+                  <a:srgbClr val="00B0F0"/>
+                </a:solidFill>
+              </a:rPr>
+              <a:t>[</a:t>
+            </a:r>
+            <a:r>
+              <a:rPr lang="en-US" dirty="0">
+                <a:solidFill>
+                  <a:srgbClr val="00B0F0"/>
+                </a:solidFill>
+              </a:rPr>
+              <a:t>1121</a:t>
+            </a:r>
+            <a:r>
+              <a:rPr lang="en-US" dirty="0">
+                <a:solidFill>
+                  <a:srgbClr val="00B0F0"/>
+                </a:solidFill>
+              </a:rPr>
+              <a:t>, </a:t>
+            </a:r>
+            <a:r>
+              <a:rPr lang="en-US" dirty="0">
+                <a:solidFill>
+                  <a:srgbClr val="00B0F0"/>
+                </a:solidFill>
+              </a:rPr>
+              <a:t>780,…])</a:t>
+            </a:r>
+            <a:endParaRPr lang="en-US" dirty="0">
+              <a:solidFill>
+                <a:srgbClr val="00B0F0"/>
+              </a:solidFill>
+            </a:endParaRPr>
+          </a:p>
+          <a:p>
+            <a:r>
+              <a:rPr lang="en-US" dirty="0" smtClean="0"/>
+              <a:t>(</a:t>
+            </a:r>
+            <a:r>
+              <a:rPr lang="en-US" dirty="0">
+                <a:solidFill>
+                  <a:srgbClr val="FF0000"/>
+                </a:solidFill>
+              </a:rPr>
+              <a:t>2012</a:t>
+            </a:r>
+            <a:r>
+              <a:rPr lang="en-US" dirty="0"/>
+              <a:t> , </a:t>
+            </a:r>
+            <a:r>
+              <a:rPr lang="en-US" dirty="0">
+                <a:solidFill>
+                  <a:srgbClr val="00B0F0"/>
+                </a:solidFill>
+              </a:rPr>
+              <a:t>[</a:t>
+            </a:r>
+            <a:r>
+              <a:rPr lang="en-US" dirty="0">
+                <a:solidFill>
+                  <a:srgbClr val="00B0F0"/>
+                </a:solidFill>
+              </a:rPr>
+              <a:t>1411</a:t>
+            </a:r>
+            <a:r>
+              <a:rPr lang="en-US" dirty="0">
+                <a:solidFill>
+                  <a:srgbClr val="00B0F0"/>
+                </a:solidFill>
+              </a:rPr>
+              <a:t>, </a:t>
+            </a:r>
+            <a:r>
+              <a:rPr lang="en-US" dirty="0">
+                <a:solidFill>
+                  <a:srgbClr val="00B0F0"/>
+                </a:solidFill>
+              </a:rPr>
+              <a:t>738,…])</a:t>
+            </a:r>
+          </a:p>
+          <a:p>
+            <a:r>
+              <a:rPr lang="en-US" dirty="0" smtClean="0"/>
+              <a:t>(</a:t>
+            </a:r>
+            <a:r>
+              <a:rPr lang="en-US" dirty="0">
+                <a:solidFill>
+                  <a:srgbClr val="FF0000"/>
+                </a:solidFill>
+              </a:rPr>
+              <a:t>2013</a:t>
+            </a:r>
+            <a:r>
+              <a:rPr lang="en-US" dirty="0"/>
+              <a:t> , </a:t>
+            </a:r>
+            <a:r>
+              <a:rPr lang="en-US" dirty="0">
+                <a:solidFill>
+                  <a:srgbClr val="00B0F0"/>
+                </a:solidFill>
+              </a:rPr>
+              <a:t>[</a:t>
+            </a:r>
+            <a:r>
+              <a:rPr lang="en-US" dirty="0">
+                <a:solidFill>
+                  <a:srgbClr val="00B0F0"/>
+                </a:solidFill>
+              </a:rPr>
+              <a:t>1171</a:t>
+            </a:r>
+            <a:r>
+              <a:rPr lang="en-US" dirty="0">
+                <a:solidFill>
+                  <a:srgbClr val="00B0F0"/>
+                </a:solidFill>
+              </a:rPr>
+              <a:t>, </a:t>
+            </a:r>
+            <a:r>
+              <a:rPr lang="en-US" dirty="0">
+                <a:solidFill>
+                  <a:srgbClr val="00B0F0"/>
+                </a:solidFill>
+              </a:rPr>
+              <a:t>768,…])</a:t>
+            </a:r>
+          </a:p>
+          <a:p>
+            <a:endParaRPr lang="en-US" dirty="0"/>
+          </a:p>
+        </p:txBody>
+      </p:sp>
+      <p:sp>
+        <p:nvSpPr>
+          <p:cNvPr id="4" name="Slide Number Placeholder 3"/>
+          <p:cNvSpPr>
+            <a:spLocks noGrp="1"/>
+          </p:cNvSpPr>
+          <p:nvPr>
+            <p:ph type="sldNum" sz="quarter" idx="12"/>
+          </p:nvPr>
+        </p:nvSpPr>
+        <p:spPr/>
+        <p:txBody>
+          <a:bodyPr/>
+          <a:lstStyle/>
+          <a:p>
+            <a:fld id="{31E7C4D2-2F11-4011-AB4F-F84DBF4A0B01}" type="slidenum">
+              <a:rPr lang="en-US" smtClean="0"/>
+              <a:pPr/>
+              <a:t>56</a:t>
+            </a:fld>
+            <a:endParaRPr lang="en-US"/>
+          </a:p>
+        </p:txBody>
+      </p:sp>
+    </p:spTree>
+    <p:extLst>
+      <p:ext uri="{BB962C8B-B14F-4D97-AF65-F5344CB8AC3E}">
+        <p14:creationId xmlns:p14="http://schemas.microsoft.com/office/powerpoint/2010/main" val="1052121903"/>
+      </p:ext>
+    </p:extLst>
+  </p:cSld>
+  <p:clrMapOvr>
+    <a:masterClrMapping/>
+  </p:clrMapOvr>
+</p:sld>
+</file>
+
+<file path=ppt/slides/slide57.xml><?xml version="1.0" encoding="utf-8"?>
+<p:sld xmlns:a="http://schemas.openxmlformats.org/drawingml/2006/main" xmlns:r="http://schemas.openxmlformats.org/officeDocument/2006/relationships" xmlns:p="http://schemas.openxmlformats.org/presentationml/2006/main">
+  <p:cSld>
+    <p:spTree>
+      <p:nvGrpSpPr>
+        <p:cNvPr id="1" name=""/>
+        <p:cNvGrpSpPr/>
+        <p:nvPr/>
+      </p:nvGrpSpPr>
+      <p:grpSpPr>
+        <a:xfrm>
+          <a:off x="0" y="0"/>
+          <a:ext cx="0" cy="0"/>
+          <a:chOff x="0" y="0"/>
+          <a:chExt cx="0" cy="0"/>
+        </a:xfrm>
+      </p:grpSpPr>
+      <p:sp>
+        <p:nvSpPr>
+          <p:cNvPr id="2" name="Title 1"/>
+          <p:cNvSpPr>
+            <a:spLocks noGrp="1"/>
+          </p:cNvSpPr>
+          <p:nvPr>
+            <p:ph type="title"/>
+          </p:nvPr>
+        </p:nvSpPr>
+        <p:spPr/>
+        <p:txBody>
+          <a:bodyPr/>
+          <a:lstStyle/>
+          <a:p>
+            <a:r>
+              <a:rPr lang="en-US" dirty="0" smtClean="0"/>
+              <a:t>Reduce</a:t>
+            </a:r>
+            <a:endParaRPr lang="en-US" dirty="0"/>
+          </a:p>
+        </p:txBody>
+      </p:sp>
+      <p:sp>
+        <p:nvSpPr>
+          <p:cNvPr id="3" name="Content Placeholder 2"/>
+          <p:cNvSpPr>
+            <a:spLocks noGrp="1"/>
+          </p:cNvSpPr>
+          <p:nvPr>
+            <p:ph idx="1"/>
+          </p:nvPr>
+        </p:nvSpPr>
+        <p:spPr/>
+        <p:txBody>
+          <a:bodyPr/>
+          <a:lstStyle/>
+          <a:p>
+            <a:r>
+              <a:rPr lang="en-US" dirty="0"/>
+              <a:t>(</a:t>
+            </a:r>
+            <a:r>
+              <a:rPr lang="en-US" dirty="0">
+                <a:solidFill>
+                  <a:srgbClr val="FF0000"/>
+                </a:solidFill>
+              </a:rPr>
+              <a:t>2009</a:t>
+            </a:r>
+            <a:r>
+              <a:rPr lang="en-US" dirty="0"/>
+              <a:t> </a:t>
+            </a:r>
+            <a:r>
+              <a:rPr lang="en-US" dirty="0" smtClean="0"/>
+              <a:t>, 1234)</a:t>
+            </a:r>
+            <a:endParaRPr lang="en-US" dirty="0">
+              <a:solidFill>
+                <a:srgbClr val="00B0F0"/>
+              </a:solidFill>
+            </a:endParaRPr>
+          </a:p>
+          <a:p>
+            <a:r>
+              <a:rPr lang="en-US" dirty="0"/>
+              <a:t>(</a:t>
+            </a:r>
+            <a:r>
+              <a:rPr lang="en-US" dirty="0">
+                <a:solidFill>
+                  <a:srgbClr val="FF0000"/>
+                </a:solidFill>
+              </a:rPr>
+              <a:t>2010</a:t>
+            </a:r>
+            <a:r>
+              <a:rPr lang="en-US" dirty="0"/>
+              <a:t> </a:t>
+            </a:r>
+            <a:r>
+              <a:rPr lang="en-US" dirty="0" smtClean="0"/>
+              <a:t>,456 )</a:t>
+            </a:r>
+            <a:endParaRPr lang="en-US" dirty="0">
+              <a:solidFill>
+                <a:srgbClr val="00B0F0"/>
+              </a:solidFill>
+            </a:endParaRPr>
+          </a:p>
+          <a:p>
+            <a:r>
+              <a:rPr lang="en-US" dirty="0"/>
+              <a:t>(</a:t>
+            </a:r>
+            <a:r>
+              <a:rPr lang="en-US" dirty="0" smtClean="0">
+                <a:solidFill>
+                  <a:srgbClr val="FF0000"/>
+                </a:solidFill>
+              </a:rPr>
+              <a:t>2011</a:t>
+            </a:r>
+            <a:r>
+              <a:rPr lang="en-US" dirty="0"/>
+              <a:t> </a:t>
+            </a:r>
+            <a:r>
+              <a:rPr lang="en-US" dirty="0" smtClean="0"/>
+              <a:t>,235)</a:t>
+            </a:r>
+          </a:p>
+          <a:p>
+            <a:r>
+              <a:rPr lang="en-US" dirty="0" smtClean="0"/>
+              <a:t>(</a:t>
+            </a:r>
+            <a:r>
+              <a:rPr lang="en-US" dirty="0" smtClean="0">
+                <a:solidFill>
+                  <a:srgbClr val="FF0000"/>
+                </a:solidFill>
+              </a:rPr>
+              <a:t>2012 ,</a:t>
+            </a:r>
+            <a:r>
+              <a:rPr lang="en-US" dirty="0"/>
+              <a:t>788</a:t>
+            </a:r>
+            <a:r>
+              <a:rPr lang="en-US" dirty="0" smtClean="0"/>
+              <a:t> )</a:t>
+            </a:r>
+          </a:p>
+          <a:p>
+            <a:r>
+              <a:rPr lang="en-US" dirty="0" smtClean="0"/>
+              <a:t>(</a:t>
+            </a:r>
+            <a:r>
+              <a:rPr lang="en-US" dirty="0">
+                <a:solidFill>
+                  <a:srgbClr val="FF0000"/>
+                </a:solidFill>
+              </a:rPr>
+              <a:t>2013</a:t>
+            </a:r>
+            <a:r>
+              <a:rPr lang="en-US" dirty="0"/>
+              <a:t> , </a:t>
+            </a:r>
+            <a:r>
+              <a:rPr lang="en-US" dirty="0" smtClean="0"/>
+              <a:t>2456)</a:t>
+            </a:r>
+            <a:endParaRPr lang="en-US" dirty="0">
+              <a:solidFill>
+                <a:srgbClr val="00B0F0"/>
+              </a:solidFill>
+            </a:endParaRPr>
+          </a:p>
+        </p:txBody>
+      </p:sp>
+      <p:sp>
+        <p:nvSpPr>
+          <p:cNvPr id="4" name="Slide Number Placeholder 3"/>
+          <p:cNvSpPr>
+            <a:spLocks noGrp="1"/>
+          </p:cNvSpPr>
+          <p:nvPr>
+            <p:ph type="sldNum" sz="quarter" idx="12"/>
+          </p:nvPr>
+        </p:nvSpPr>
+        <p:spPr/>
+        <p:txBody>
+          <a:bodyPr/>
+          <a:lstStyle/>
+          <a:p>
+            <a:fld id="{31E7C4D2-2F11-4011-AB4F-F84DBF4A0B01}" type="slidenum">
+              <a:rPr lang="en-US" smtClean="0"/>
+              <a:pPr/>
+              <a:t>57</a:t>
+            </a:fld>
+            <a:endParaRPr lang="en-US"/>
+          </a:p>
+        </p:txBody>
+      </p:sp>
+    </p:spTree>
+    <p:extLst>
+      <p:ext uri="{BB962C8B-B14F-4D97-AF65-F5344CB8AC3E}">
+        <p14:creationId xmlns:p14="http://schemas.microsoft.com/office/powerpoint/2010/main" val="2689505886"/>
+      </p:ext>
+    </p:extLst>
+  </p:cSld>
+  <p:clrMapOvr>
+    <a:masterClrMapping/>
+  </p:clrMapOvr>
+</p:sld>
+</file>
+
+<file path=ppt/slides/slide58.xml><?xml version="1.0" encoding="utf-8"?>
+<p:sld xmlns:a="http://schemas.openxmlformats.org/drawingml/2006/main" xmlns:r="http://schemas.openxmlformats.org/officeDocument/2006/relationships" xmlns:p="http://schemas.openxmlformats.org/presentationml/2006/main">
+  <p:cSld>
+    <p:spTree>
+      <p:nvGrpSpPr>
+        <p:cNvPr id="1" name=""/>
+        <p:cNvGrpSpPr/>
+        <p:nvPr/>
+      </p:nvGrpSpPr>
+      <p:grpSpPr>
+        <a:xfrm>
+          <a:off x="0" y="0"/>
+          <a:ext cx="0" cy="0"/>
+          <a:chOff x="0" y="0"/>
+          <a:chExt cx="0" cy="0"/>
+        </a:xfrm>
+      </p:grpSpPr>
+      <p:sp>
+        <p:nvSpPr>
+          <p:cNvPr id="2" name="Title 1"/>
+          <p:cNvSpPr>
+            <a:spLocks noGrp="1"/>
+          </p:cNvSpPr>
+          <p:nvPr>
+            <p:ph type="title"/>
+          </p:nvPr>
+        </p:nvSpPr>
+        <p:spPr/>
+        <p:txBody>
+          <a:bodyPr/>
+          <a:lstStyle/>
+          <a:p>
+            <a:r>
+              <a:rPr lang="en-US" dirty="0" smtClean="0"/>
+              <a:t>Shuffle and Sort</a:t>
+            </a:r>
+            <a:endParaRPr lang="en-US" dirty="0"/>
+          </a:p>
+        </p:txBody>
+      </p:sp>
+      <p:pic>
+        <p:nvPicPr>
+          <p:cNvPr id="5" name="Content Placeholder 4"/>
+          <p:cNvPicPr>
+            <a:picLocks noGrp="1" noChangeAspect="1"/>
+          </p:cNvPicPr>
+          <p:nvPr>
+            <p:ph idx="1"/>
+          </p:nvPr>
+        </p:nvPicPr>
+        <p:blipFill>
+          <a:blip r:embed="rId2"/>
+          <a:stretch>
+            <a:fillRect/>
+          </a:stretch>
+        </p:blipFill>
+        <p:spPr>
+          <a:xfrm>
+            <a:off x="564192" y="2057400"/>
+            <a:ext cx="7040568" cy="1443866"/>
+          </a:xfrm>
+          <a:prstGeom prst="rect">
+            <a:avLst/>
+          </a:prstGeom>
+        </p:spPr>
+      </p:pic>
+      <p:sp>
+        <p:nvSpPr>
+          <p:cNvPr id="4" name="Slide Number Placeholder 3"/>
+          <p:cNvSpPr>
+            <a:spLocks noGrp="1"/>
+          </p:cNvSpPr>
+          <p:nvPr>
+            <p:ph type="sldNum" sz="quarter" idx="12"/>
+          </p:nvPr>
+        </p:nvSpPr>
+        <p:spPr/>
+        <p:txBody>
+          <a:bodyPr/>
+          <a:lstStyle/>
+          <a:p>
+            <a:fld id="{31E7C4D2-2F11-4011-AB4F-F84DBF4A0B01}" type="slidenum">
+              <a:rPr lang="en-US" smtClean="0"/>
+              <a:pPr/>
+              <a:t>58</a:t>
+            </a:fld>
+            <a:endParaRPr lang="en-US"/>
+          </a:p>
+        </p:txBody>
+      </p:sp>
+    </p:spTree>
+    <p:extLst>
+      <p:ext uri="{BB962C8B-B14F-4D97-AF65-F5344CB8AC3E}">
+        <p14:creationId xmlns:p14="http://schemas.microsoft.com/office/powerpoint/2010/main" val="2850454466"/>
+      </p:ext>
+    </p:extLst>
+  </p:cSld>
+  <p:clrMapOvr>
+    <a:masterClrMapping/>
+  </p:clrMapOvr>
+</p:sld>
+</file>
+
+<file path=ppt/slides/slide59.xml><?xml version="1.0" encoding="utf-8"?>
+<p:sld xmlns:a="http://schemas.openxmlformats.org/drawingml/2006/main" xmlns:r="http://schemas.openxmlformats.org/officeDocument/2006/relationships" xmlns:p="http://schemas.openxmlformats.org/presentationml/2006/main">
+  <p:cSld>
+    <p:spTree>
+      <p:nvGrpSpPr>
+        <p:cNvPr id="1" name=""/>
+        <p:cNvGrpSpPr/>
+        <p:nvPr/>
+      </p:nvGrpSpPr>
+      <p:grpSpPr>
+        <a:xfrm>
+          <a:off x="0" y="0"/>
+          <a:ext cx="0" cy="0"/>
+          <a:chOff x="0" y="0"/>
+          <a:chExt cx="0" cy="0"/>
+        </a:xfrm>
+      </p:grpSpPr>
+      <p:sp>
+        <p:nvSpPr>
+          <p:cNvPr id="2" name="Title 1"/>
+          <p:cNvSpPr>
+            <a:spLocks noGrp="1"/>
+          </p:cNvSpPr>
+          <p:nvPr>
+            <p:ph type="title"/>
+          </p:nvPr>
+        </p:nvSpPr>
+        <p:spPr/>
+        <p:txBody>
+          <a:bodyPr/>
+          <a:lstStyle/>
+          <a:p>
+            <a:r>
+              <a:rPr lang="en-US" dirty="0" smtClean="0"/>
+              <a:t>Combiner</a:t>
+            </a:r>
+            <a:endParaRPr lang="en-US" dirty="0"/>
+          </a:p>
+        </p:txBody>
+      </p:sp>
+      <p:sp>
+        <p:nvSpPr>
+          <p:cNvPr id="3" name="Content Placeholder 2"/>
+          <p:cNvSpPr>
+            <a:spLocks noGrp="1"/>
+          </p:cNvSpPr>
+          <p:nvPr>
+            <p:ph idx="1"/>
+          </p:nvPr>
+        </p:nvSpPr>
+        <p:spPr/>
+        <p:txBody>
+          <a:bodyPr/>
+          <a:lstStyle/>
+          <a:p>
+            <a:r>
+              <a:rPr lang="en-US" dirty="0" smtClean="0"/>
+              <a:t>Same as reducer.</a:t>
+            </a:r>
+            <a:endParaRPr lang="en-US" dirty="0"/>
+          </a:p>
+        </p:txBody>
+      </p:sp>
+      <p:sp>
+        <p:nvSpPr>
+          <p:cNvPr id="4" name="Slide Number Placeholder 3"/>
+          <p:cNvSpPr>
+            <a:spLocks noGrp="1"/>
+          </p:cNvSpPr>
+          <p:nvPr>
+            <p:ph type="sldNum" sz="quarter" idx="12"/>
+          </p:nvPr>
+        </p:nvSpPr>
+        <p:spPr/>
+        <p:txBody>
+          <a:bodyPr/>
+          <a:lstStyle/>
+          <a:p>
+            <a:fld id="{31E7C4D2-2F11-4011-AB4F-F84DBF4A0B01}" type="slidenum">
+              <a:rPr lang="en-US" smtClean="0"/>
+              <a:pPr/>
+              <a:t>59</a:t>
+            </a:fld>
+            <a:endParaRPr lang="en-US"/>
+          </a:p>
+        </p:txBody>
+      </p:sp>
+    </p:spTree>
+    <p:extLst>
+      <p:ext uri="{BB962C8B-B14F-4D97-AF65-F5344CB8AC3E}">
+        <p14:creationId xmlns:p14="http://schemas.microsoft.com/office/powerpoint/2010/main" val="399766574"/>
+      </p:ext>
+    </p:extLst>
+  </p:cSld>
+  <p:clrMapOvr>
+    <a:masterClrMapping/>
+  </p:clrMapOvr>
+</p:sld>
+</file>
+
+<file path=ppt/slides/slide6.xml><?xml version="1.0" encoding="utf-8"?>
+<p:sld xmlns:a="http://schemas.openxmlformats.org/drawingml/2006/main" xmlns:r="http://schemas.openxmlformats.org/officeDocument/2006/relationships" xmlns:p="http://schemas.openxmlformats.org/presentationml/2006/main">
+  <p:cSld>
+    <p:spTree>
+      <p:nvGrpSpPr>
+        <p:cNvPr id="1" name=""/>
+        <p:cNvGrpSpPr/>
+        <p:nvPr/>
+      </p:nvGrpSpPr>
+      <p:grpSpPr>
+        <a:xfrm>
+          <a:off x="0" y="0"/>
+          <a:ext cx="0" cy="0"/>
+          <a:chOff x="0" y="0"/>
+          <a:chExt cx="0" cy="0"/>
+        </a:xfrm>
+      </p:grpSpPr>
+      <p:sp>
+        <p:nvSpPr>
           <p:cNvPr id="4" name="Title 3"/>
           <p:cNvSpPr>
             <a:spLocks noGrp="1"/>
@@ -26367,7 +27362,7 @@
           <a:p>
             <a:r>
               <a:rPr lang="en-US" dirty="0" smtClean="0"/>
-              <a:t>Parameter files</a:t>
+              <a:t>HDFS Architecture</a:t>
             </a:r>
             <a:endParaRPr lang="en-US" dirty="0"/>
           </a:p>
@@ -26385,12 +27380,73 @@
         </p:nvSpPr>
         <p:spPr/>
         <p:txBody>
-          <a:bodyPr/>
+          <a:bodyPr>
+            <a:normAutofit fontScale="85000" lnSpcReduction="20000"/>
+          </a:bodyPr>
           <a:lstStyle/>
           <a:p>
             <a:r>
               <a:rPr lang="en-US" dirty="0" smtClean="0"/>
-              <a:t>yarn-</a:t>
+              <a:t>HDFS – </a:t>
+            </a:r>
+            <a:r>
+              <a:rPr lang="en-US" dirty="0" err="1" smtClean="0"/>
+              <a:t>Hadoop</a:t>
+            </a:r>
+            <a:r>
+              <a:rPr lang="en-US" dirty="0" smtClean="0"/>
+              <a:t> Distributed File System (Storage)</a:t>
+            </a:r>
+          </a:p>
+          <a:p>
+            <a:r>
+              <a:rPr lang="en-US" dirty="0" smtClean="0"/>
+              <a:t>Daemon Processes</a:t>
+            </a:r>
+          </a:p>
+          <a:p>
+            <a:pPr lvl="1"/>
+            <a:r>
+              <a:rPr lang="en-US" dirty="0" smtClean="0"/>
+              <a:t>Slaves: </a:t>
+            </a:r>
+            <a:r>
+              <a:rPr lang="en-US" dirty="0" err="1" smtClean="0"/>
+              <a:t>Datanodes</a:t>
+            </a:r>
+            <a:endParaRPr lang="en-US" dirty="0" smtClean="0"/>
+          </a:p>
+          <a:p>
+            <a:pPr lvl="1"/>
+            <a:r>
+              <a:rPr lang="en-US" dirty="0" smtClean="0"/>
+              <a:t>Masters: </a:t>
+            </a:r>
+            <a:r>
+              <a:rPr lang="en-US" dirty="0" err="1" smtClean="0"/>
+              <a:t>Namenode</a:t>
+            </a:r>
+            <a:r>
+              <a:rPr lang="en-US" dirty="0" smtClean="0"/>
+              <a:t>(s) and Secondary </a:t>
+            </a:r>
+            <a:r>
+              <a:rPr lang="en-US" dirty="0" err="1" smtClean="0"/>
+              <a:t>Namenode</a:t>
+            </a:r>
+            <a:endParaRPr lang="en-US" dirty="0" smtClean="0"/>
+          </a:p>
+          <a:p>
+            <a:r>
+              <a:rPr lang="en-US" dirty="0" smtClean="0"/>
+              <a:t>Parameter Files</a:t>
+            </a:r>
+          </a:p>
+          <a:p>
+            <a:pPr lvl="1"/>
+            <a:r>
+              <a:rPr lang="en-US" dirty="0" smtClean="0"/>
+              <a:t>core-</a:t>
             </a:r>
             <a:r>
               <a:rPr lang="en-US" dirty="0" err="1" smtClean="0"/>
@@ -26401,22 +27457,43 @@
           <a:p>
             <a:pPr lvl="1"/>
             <a:r>
-              <a:rPr lang="en-US" dirty="0" smtClean="0"/>
-              <a:t>Parameters related to YARN</a:t>
-            </a:r>
-          </a:p>
-          <a:p>
-            <a:r>
               <a:rPr lang="en-US" dirty="0" err="1" smtClean="0"/>
-              <a:t>mapred-site.xml</a:t>
+              <a:t>hdfs-site.xml</a:t>
             </a:r>
             <a:endParaRPr lang="en-US" dirty="0" smtClean="0"/>
           </a:p>
           <a:p>
+            <a:r>
+              <a:rPr lang="en-US" dirty="0" smtClean="0"/>
+              <a:t>Apache Web Interfaces</a:t>
+            </a:r>
+          </a:p>
+          <a:p>
             <a:pPr lvl="1"/>
             <a:r>
-              <a:rPr lang="en-US" dirty="0" smtClean="0"/>
-              <a:t>Parameters related to Map Reduce</a:t>
+              <a:rPr lang="en-US" dirty="0" err="1" smtClean="0"/>
+              <a:t>Namenode</a:t>
+            </a:r>
+            <a:r>
+              <a:rPr lang="en-US" dirty="0" smtClean="0"/>
+              <a:t> WUI</a:t>
+            </a:r>
+          </a:p>
+          <a:p>
+            <a:pPr lvl="1"/>
+            <a:r>
+              <a:rPr lang="en-US" dirty="0" err="1" smtClean="0"/>
+              <a:t>Datanode</a:t>
+            </a:r>
+            <a:r>
+              <a:rPr lang="en-US" dirty="0" smtClean="0"/>
+              <a:t> WUI</a:t>
+            </a:r>
+          </a:p>
+          <a:p>
+            <a:r>
+              <a:rPr lang="en-US" dirty="0" smtClean="0"/>
+              <a:t>Log Files</a:t>
             </a:r>
             <a:endParaRPr lang="en-US" dirty="0"/>
           </a:p>
@@ -26440,7 +27517,482 @@
             <a:fld id="{31E7C4D2-2F11-4011-AB4F-F84DBF4A0B01}" type="slidenum">
               <a:rPr lang="en-US" smtClean="0"/>
               <a:pPr/>
-              <a:t>55</a:t>
+              <a:t>6</a:t>
+            </a:fld>
+            <a:endParaRPr lang="en-US"/>
+          </a:p>
+        </p:txBody>
+      </p:sp>
+    </p:spTree>
+    <p:extLst>
+      <p:ext uri="{BB962C8B-B14F-4D97-AF65-F5344CB8AC3E}">
+        <p14:creationId xmlns:p14="http://schemas.microsoft.com/office/powerpoint/2010/main" val="1768427434"/>
+      </p:ext>
+    </p:extLst>
+  </p:cSld>
+  <p:clrMapOvr>
+    <a:masterClrMapping/>
+  </p:clrMapOvr>
+  <p:timing>
+    <p:tnLst>
+      <p:par>
+        <p:cTn id="1" dur="indefinite" restart="never" nodeType="tmRoot"/>
+      </p:par>
+    </p:tnLst>
+  </p:timing>
+</p:sld>
+</file>
+
+<file path=ppt/slides/slide60.xml><?xml version="1.0" encoding="utf-8"?>
+<p:sld xmlns:a="http://schemas.openxmlformats.org/drawingml/2006/main" xmlns:r="http://schemas.openxmlformats.org/officeDocument/2006/relationships" xmlns:p="http://schemas.openxmlformats.org/presentationml/2006/main">
+  <p:cSld>
+    <p:spTree>
+      <p:nvGrpSpPr>
+        <p:cNvPr id="1" name=""/>
+        <p:cNvGrpSpPr/>
+        <p:nvPr/>
+      </p:nvGrpSpPr>
+      <p:grpSpPr>
+        <a:xfrm>
+          <a:off x="0" y="0"/>
+          <a:ext cx="0" cy="0"/>
+          <a:chOff x="0" y="0"/>
+          <a:chExt cx="0" cy="0"/>
+        </a:xfrm>
+      </p:grpSpPr>
+      <p:sp>
+        <p:nvSpPr>
+          <p:cNvPr id="4" name="Title 3"/>
+          <p:cNvSpPr>
+            <a:spLocks noGrp="1"/>
+          </p:cNvSpPr>
+          <p:nvPr>
+            <p:ph type="title"/>
+          </p:nvPr>
+        </p:nvSpPr>
+        <p:spPr/>
+        <p:txBody>
+          <a:bodyPr/>
+          <a:lstStyle/>
+          <a:p>
+            <a:r>
+              <a:rPr lang="en-US" dirty="0" smtClean="0"/>
+              <a:t>Setup YARN</a:t>
+            </a:r>
+            <a:endParaRPr lang="en-US" dirty="0"/>
+          </a:p>
+        </p:txBody>
+      </p:sp>
+      <p:sp>
+        <p:nvSpPr>
+          <p:cNvPr id="2" name="Content Placeholder 1"/>
+          <p:cNvSpPr>
+            <a:spLocks noGrp="1"/>
+          </p:cNvSpPr>
+          <p:nvPr>
+            <p:ph idx="1"/>
+          </p:nvPr>
+        </p:nvSpPr>
+        <p:spPr/>
+        <p:txBody>
+          <a:bodyPr>
+            <a:normAutofit fontScale="85000" lnSpcReduction="20000"/>
+          </a:bodyPr>
+          <a:lstStyle/>
+          <a:p>
+            <a:r>
+              <a:rPr lang="en-US" dirty="0" smtClean="0"/>
+              <a:t>Configure Slaves, Master and other components</a:t>
+            </a:r>
+          </a:p>
+          <a:p>
+            <a:pPr lvl="1"/>
+            <a:r>
+              <a:rPr lang="en-US" dirty="0" smtClean="0"/>
+              <a:t>Slaves: </a:t>
+            </a:r>
+            <a:r>
+              <a:rPr lang="en-US" dirty="0" err="1" smtClean="0"/>
+              <a:t>Nodemanager</a:t>
+            </a:r>
+            <a:r>
+              <a:rPr lang="en-US" dirty="0" smtClean="0"/>
+              <a:t> on all nodes</a:t>
+            </a:r>
+          </a:p>
+          <a:p>
+            <a:pPr lvl="1"/>
+            <a:r>
+              <a:rPr lang="en-US" dirty="0" smtClean="0"/>
+              <a:t>Master: </a:t>
+            </a:r>
+            <a:r>
+              <a:rPr lang="en-US" dirty="0" err="1" smtClean="0"/>
+              <a:t>Resourcemanager</a:t>
+            </a:r>
+            <a:r>
+              <a:rPr lang="en-US" dirty="0" smtClean="0"/>
+              <a:t> on one of the masters</a:t>
+            </a:r>
+          </a:p>
+          <a:p>
+            <a:pPr lvl="1"/>
+            <a:r>
+              <a:rPr lang="en-US" dirty="0" smtClean="0"/>
+              <a:t>App timeline server on one of the masters</a:t>
+            </a:r>
+          </a:p>
+          <a:p>
+            <a:pPr lvl="1"/>
+            <a:r>
+              <a:rPr lang="en-US" dirty="0" err="1" smtClean="0"/>
+              <a:t>Historyserver</a:t>
+            </a:r>
+            <a:r>
+              <a:rPr lang="en-US" dirty="0" smtClean="0"/>
+              <a:t> on one of the masters</a:t>
+            </a:r>
+          </a:p>
+          <a:p>
+            <a:r>
+              <a:rPr lang="en-US" dirty="0" smtClean="0"/>
+              <a:t>Parameter files</a:t>
+            </a:r>
+          </a:p>
+          <a:p>
+            <a:r>
+              <a:rPr lang="en-US" dirty="0" smtClean="0"/>
+              <a:t>Understand important parameters</a:t>
+            </a:r>
+          </a:p>
+          <a:p>
+            <a:r>
+              <a:rPr lang="en-US" dirty="0" smtClean="0"/>
+              <a:t>Validation</a:t>
+            </a:r>
+          </a:p>
+          <a:p>
+            <a:r>
+              <a:rPr lang="en-US" dirty="0" smtClean="0"/>
+              <a:t>Verify logs</a:t>
+            </a:r>
+          </a:p>
+          <a:p>
+            <a:r>
+              <a:rPr lang="en-US" dirty="0" smtClean="0"/>
+              <a:t>Understand WI</a:t>
+            </a:r>
+          </a:p>
+          <a:p>
+            <a:r>
+              <a:rPr lang="en-US" dirty="0" smtClean="0"/>
+              <a:t>Understand YARN and </a:t>
+            </a:r>
+            <a:r>
+              <a:rPr lang="en-US" dirty="0" err="1" smtClean="0"/>
+              <a:t>mapreduce</a:t>
+            </a:r>
+            <a:r>
+              <a:rPr lang="en-US" dirty="0" smtClean="0"/>
+              <a:t> CLI</a:t>
+            </a:r>
+            <a:endParaRPr lang="en-US" dirty="0"/>
+          </a:p>
+        </p:txBody>
+      </p:sp>
+      <p:sp>
+        <p:nvSpPr>
+          <p:cNvPr id="3" name="Slide Number Placeholder 2"/>
+          <p:cNvSpPr>
+            <a:spLocks noGrp="1"/>
+          </p:cNvSpPr>
+          <p:nvPr>
+            <p:ph type="sldNum" sz="quarter" idx="12"/>
+          </p:nvPr>
+        </p:nvSpPr>
+        <p:spPr/>
+        <p:txBody>
+          <a:bodyPr/>
+          <a:lstStyle/>
+          <a:p>
+            <a:fld id="{31E7C4D2-2F11-4011-AB4F-F84DBF4A0B01}" type="slidenum">
+              <a:rPr lang="en-US" smtClean="0"/>
+              <a:pPr/>
+              <a:t>60</a:t>
+            </a:fld>
+            <a:endParaRPr lang="en-US"/>
+          </a:p>
+        </p:txBody>
+      </p:sp>
+    </p:spTree>
+    <p:extLst>
+      <p:ext uri="{BB962C8B-B14F-4D97-AF65-F5344CB8AC3E}">
+        <p14:creationId xmlns:p14="http://schemas.microsoft.com/office/powerpoint/2010/main" val="54704839"/>
+      </p:ext>
+    </p:extLst>
+  </p:cSld>
+  <p:clrMapOvr>
+    <a:masterClrMapping/>
+  </p:clrMapOvr>
+  <p:timing>
+    <p:tnLst>
+      <p:par>
+        <p:cTn id="1" dur="indefinite" restart="never" nodeType="tmRoot"/>
+      </p:par>
+    </p:tnLst>
+  </p:timing>
+</p:sld>
+</file>
+
+<file path=ppt/slides/slide61.xml><?xml version="1.0" encoding="utf-8"?>
+<p:sld xmlns:a="http://schemas.openxmlformats.org/drawingml/2006/main" xmlns:r="http://schemas.openxmlformats.org/officeDocument/2006/relationships" xmlns:p="http://schemas.openxmlformats.org/presentationml/2006/main">
+  <p:cSld>
+    <p:spTree>
+      <p:nvGrpSpPr>
+        <p:cNvPr id="1" name=""/>
+        <p:cNvGrpSpPr/>
+        <p:nvPr/>
+      </p:nvGrpSpPr>
+      <p:grpSpPr>
+        <a:xfrm>
+          <a:off x="0" y="0"/>
+          <a:ext cx="0" cy="0"/>
+          <a:chOff x="0" y="0"/>
+          <a:chExt cx="0" cy="0"/>
+        </a:xfrm>
+      </p:grpSpPr>
+      <p:sp>
+        <p:nvSpPr>
+          <p:cNvPr id="4" name="Title 3"/>
+          <p:cNvSpPr>
+            <a:spLocks noGrp="1"/>
+          </p:cNvSpPr>
+          <p:nvPr>
+            <p:ph type="title"/>
+          </p:nvPr>
+        </p:nvSpPr>
+        <p:spPr/>
+        <p:txBody>
+          <a:bodyPr/>
+          <a:lstStyle/>
+          <a:p>
+            <a:r>
+              <a:rPr lang="en-US" dirty="0" smtClean="0"/>
+              <a:t>Configure Slaves and Masters</a:t>
+            </a:r>
+            <a:endParaRPr lang="en-US" dirty="0"/>
+          </a:p>
+        </p:txBody>
+      </p:sp>
+      <p:sp>
+        <p:nvSpPr>
+          <p:cNvPr id="2" name="Content Placeholder 1"/>
+          <p:cNvSpPr>
+            <a:spLocks noGrp="1"/>
+          </p:cNvSpPr>
+          <p:nvPr>
+            <p:ph idx="1"/>
+          </p:nvPr>
+        </p:nvSpPr>
+        <p:spPr/>
+        <p:txBody>
+          <a:bodyPr/>
+          <a:lstStyle/>
+          <a:p>
+            <a:r>
+              <a:rPr lang="en-US" dirty="0" smtClean="0"/>
+              <a:t>Slaves</a:t>
+            </a:r>
+          </a:p>
+          <a:p>
+            <a:pPr lvl="1"/>
+            <a:r>
+              <a:rPr lang="en-US" dirty="0" err="1" smtClean="0"/>
+              <a:t>Nodemanager</a:t>
+            </a:r>
+            <a:endParaRPr lang="en-US" dirty="0" smtClean="0"/>
+          </a:p>
+          <a:p>
+            <a:r>
+              <a:rPr lang="en-US" dirty="0" smtClean="0"/>
+              <a:t>Masters</a:t>
+            </a:r>
+          </a:p>
+          <a:p>
+            <a:pPr lvl="1"/>
+            <a:r>
+              <a:rPr lang="en-US" dirty="0" err="1" smtClean="0"/>
+              <a:t>Resourcemanager</a:t>
+            </a:r>
+            <a:endParaRPr lang="en-US" dirty="0" smtClean="0"/>
+          </a:p>
+          <a:p>
+            <a:r>
+              <a:rPr lang="en-US" dirty="0" smtClean="0"/>
+              <a:t>App timeline server</a:t>
+            </a:r>
+          </a:p>
+          <a:p>
+            <a:r>
+              <a:rPr lang="en-US" dirty="0" smtClean="0"/>
+              <a:t>History server</a:t>
+            </a:r>
+            <a:endParaRPr lang="en-US" dirty="0"/>
+          </a:p>
+        </p:txBody>
+      </p:sp>
+      <p:sp>
+        <p:nvSpPr>
+          <p:cNvPr id="3" name="Slide Number Placeholder 2"/>
+          <p:cNvSpPr>
+            <a:spLocks noGrp="1"/>
+          </p:cNvSpPr>
+          <p:nvPr>
+            <p:ph type="sldNum" sz="quarter" idx="12"/>
+          </p:nvPr>
+        </p:nvSpPr>
+        <p:spPr/>
+        <p:txBody>
+          <a:bodyPr/>
+          <a:lstStyle/>
+          <a:p>
+            <a:fld id="{31E7C4D2-2F11-4011-AB4F-F84DBF4A0B01}" type="slidenum">
+              <a:rPr lang="en-US" smtClean="0"/>
+              <a:pPr/>
+              <a:t>61</a:t>
+            </a:fld>
+            <a:endParaRPr lang="en-US"/>
+          </a:p>
+        </p:txBody>
+      </p:sp>
+    </p:spTree>
+    <p:extLst>
+      <p:ext uri="{BB962C8B-B14F-4D97-AF65-F5344CB8AC3E}">
+        <p14:creationId xmlns:p14="http://schemas.microsoft.com/office/powerpoint/2010/main" val="187385788"/>
+      </p:ext>
+    </p:extLst>
+  </p:cSld>
+  <p:clrMapOvr>
+    <a:masterClrMapping/>
+  </p:clrMapOvr>
+  <p:timing>
+    <p:tnLst>
+      <p:par>
+        <p:cTn id="1" dur="indefinite" restart="never" nodeType="tmRoot"/>
+      </p:par>
+    </p:tnLst>
+  </p:timing>
+</p:sld>
+</file>
+
+<file path=ppt/slides/slide62.xml><?xml version="1.0" encoding="utf-8"?>
+<p:sld xmlns:a="http://schemas.openxmlformats.org/drawingml/2006/main" xmlns:r="http://schemas.openxmlformats.org/officeDocument/2006/relationships" xmlns:p="http://schemas.openxmlformats.org/presentationml/2006/main">
+  <p:cSld>
+    <p:spTree>
+      <p:nvGrpSpPr>
+        <p:cNvPr id="1" name=""/>
+        <p:cNvGrpSpPr/>
+        <p:nvPr/>
+      </p:nvGrpSpPr>
+      <p:grpSpPr>
+        <a:xfrm>
+          <a:off x="0" y="0"/>
+          <a:ext cx="0" cy="0"/>
+          <a:chOff x="0" y="0"/>
+          <a:chExt cx="0" cy="0"/>
+        </a:xfrm>
+      </p:grpSpPr>
+      <p:sp>
+        <p:nvSpPr>
+          <p:cNvPr id="4" name="Title 3"/>
+          <p:cNvSpPr>
+            <a:spLocks noGrp="1"/>
+          </p:cNvSpPr>
+          <p:nvPr>
+            <p:ph type="title"/>
+          </p:nvPr>
+        </p:nvSpPr>
+        <p:spPr/>
+        <p:txBody>
+          <a:bodyPr/>
+          <a:lstStyle/>
+          <a:p>
+            <a:r>
+              <a:rPr lang="en-US" dirty="0" smtClean="0"/>
+              <a:t>Parameter files</a:t>
+            </a:r>
+            <a:endParaRPr lang="en-US" dirty="0"/>
+          </a:p>
+        </p:txBody>
+      </p:sp>
+      <p:sp>
+        <p:nvSpPr>
+          <p:cNvPr id="2" name="Content Placeholder 1"/>
+          <p:cNvSpPr>
+            <a:spLocks noGrp="1"/>
+          </p:cNvSpPr>
+          <p:nvPr>
+            <p:ph idx="1"/>
+          </p:nvPr>
+        </p:nvSpPr>
+        <p:spPr/>
+        <p:txBody>
+          <a:bodyPr/>
+          <a:lstStyle/>
+          <a:p>
+            <a:r>
+              <a:rPr lang="en-US" dirty="0" smtClean="0"/>
+              <a:t>yarn-</a:t>
+            </a:r>
+            <a:r>
+              <a:rPr lang="en-US" dirty="0" err="1" smtClean="0"/>
+              <a:t>site.xml</a:t>
+            </a:r>
+            <a:endParaRPr lang="en-US" dirty="0" smtClean="0"/>
+          </a:p>
+          <a:p>
+            <a:pPr lvl="1"/>
+            <a:r>
+              <a:rPr lang="en-US" dirty="0" smtClean="0"/>
+              <a:t>Parameters related to YARN</a:t>
+            </a:r>
+          </a:p>
+          <a:p>
+            <a:r>
+              <a:rPr lang="en-US" dirty="0" err="1" smtClean="0"/>
+              <a:t>mapred-site.xml</a:t>
+            </a:r>
+            <a:endParaRPr lang="en-US" dirty="0" smtClean="0"/>
+          </a:p>
+          <a:p>
+            <a:pPr lvl="1"/>
+            <a:r>
+              <a:rPr lang="en-US" dirty="0" smtClean="0"/>
+              <a:t>Parameters related to Map Reduce</a:t>
+            </a:r>
+            <a:endParaRPr lang="en-US" dirty="0"/>
+          </a:p>
+        </p:txBody>
+      </p:sp>
+      <p:sp>
+        <p:nvSpPr>
+          <p:cNvPr id="3" name="Slide Number Placeholder 2"/>
+          <p:cNvSpPr>
+            <a:spLocks noGrp="1"/>
+          </p:cNvSpPr>
+          <p:nvPr>
+            <p:ph type="sldNum" sz="quarter" idx="12"/>
+          </p:nvPr>
+        </p:nvSpPr>
+        <p:spPr/>
+        <p:txBody>
+          <a:bodyPr/>
+          <a:lstStyle/>
+          <a:p>
+            <a:fld id="{31E7C4D2-2F11-4011-AB4F-F84DBF4A0B01}" type="slidenum">
+              <a:rPr lang="en-US" smtClean="0"/>
+              <a:pPr/>
+              <a:t>62</a:t>
             </a:fld>
             <a:endParaRPr lang="en-US"/>
           </a:p>
@@ -26459,14 +28011,14 @@
   <p:timing>
     <p:tnLst>
       <p:par>
-        <p:cTn xmlns:p14="http://schemas.microsoft.com/office/powerpoint/2010/main" id="1" dur="indefinite" restart="never" nodeType="tmRoot"/>
+        <p:cTn id="1" dur="indefinite" restart="never" nodeType="tmRoot"/>
       </p:par>
     </p:tnLst>
   </p:timing>
 </p:sld>
 </file>
 
-<file path=ppt/slides/slide56.xml><?xml version="1.0" encoding="utf-8"?>
+<file path=ppt/slides/slide63.xml><?xml version="1.0" encoding="utf-8"?>
 <p:sld xmlns:a="http://schemas.openxmlformats.org/drawingml/2006/main" xmlns:r="http://schemas.openxmlformats.org/officeDocument/2006/relationships" xmlns:p="http://schemas.openxmlformats.org/presentationml/2006/main">
   <p:cSld>
     <p:spTree>
@@ -27479,14 +29031,14 @@
   <p:timing>
     <p:tnLst>
       <p:par>
-        <p:cTn xmlns:p14="http://schemas.microsoft.com/office/powerpoint/2010/main" id="1" dur="indefinite" restart="never" nodeType="tmRoot"/>
+        <p:cTn id="1" dur="indefinite" restart="never" nodeType="tmRoot"/>
       </p:par>
     </p:tnLst>
   </p:timing>
 </p:sld>
 </file>
 
-<file path=ppt/slides/slide57.xml><?xml version="1.0" encoding="utf-8"?>
+<file path=ppt/slides/slide64.xml><?xml version="1.0" encoding="utf-8"?>
 <p:sld xmlns:a="http://schemas.openxmlformats.org/drawingml/2006/main" xmlns:r="http://schemas.openxmlformats.org/officeDocument/2006/relationships" xmlns:p="http://schemas.openxmlformats.org/presentationml/2006/main">
   <p:cSld>
     <p:spTree>
@@ -28382,14 +29934,14 @@
   <p:timing>
     <p:tnLst>
       <p:par>
-        <p:cTn xmlns:p14="http://schemas.microsoft.com/office/powerpoint/2010/main" id="1" dur="indefinite" restart="never" nodeType="tmRoot"/>
+        <p:cTn id="1" dur="indefinite" restart="never" nodeType="tmRoot"/>
       </p:par>
     </p:tnLst>
   </p:timing>
 </p:sld>
 </file>
 
-<file path=ppt/slides/slide58.xml><?xml version="1.0" encoding="utf-8"?>
+<file path=ppt/slides/slide65.xml><?xml version="1.0" encoding="utf-8"?>
 <p:sld xmlns:a="http://schemas.openxmlformats.org/drawingml/2006/main" xmlns:r="http://schemas.openxmlformats.org/officeDocument/2006/relationships" xmlns:p="http://schemas.openxmlformats.org/presentationml/2006/main">
   <p:cSld>
     <p:spTree>
@@ -28525,7 +30077,7 @@
             <a:fld id="{31E7C4D2-2F11-4011-AB4F-F84DBF4A0B01}" type="slidenum">
               <a:rPr lang="en-US" smtClean="0"/>
               <a:pPr/>
-              <a:t>58</a:t>
+              <a:t>65</a:t>
             </a:fld>
             <a:endParaRPr lang="en-US"/>
           </a:p>
@@ -28544,14 +30096,14 @@
   <p:timing>
     <p:tnLst>
       <p:par>
-        <p:cTn xmlns:p14="http://schemas.microsoft.com/office/powerpoint/2010/main" id="1" dur="indefinite" restart="never" nodeType="tmRoot"/>
+        <p:cTn id="1" dur="indefinite" restart="never" nodeType="tmRoot"/>
       </p:par>
     </p:tnLst>
   </p:timing>
 </p:sld>
 </file>
 
-<file path=ppt/slides/slide59.xml><?xml version="1.0" encoding="utf-8"?>
+<file path=ppt/slides/slide66.xml><?xml version="1.0" encoding="utf-8"?>
 <p:sld xmlns:a="http://schemas.openxmlformats.org/drawingml/2006/main" xmlns:r="http://schemas.openxmlformats.org/officeDocument/2006/relationships" xmlns:p="http://schemas.openxmlformats.org/presentationml/2006/main">
   <p:cSld>
     <p:spTree>
@@ -28638,7 +30190,7 @@
             <a:fld id="{31E7C4D2-2F11-4011-AB4F-F84DBF4A0B01}" type="slidenum">
               <a:rPr lang="en-US" smtClean="0"/>
               <a:pPr/>
-              <a:t>59</a:t>
+              <a:t>66</a:t>
             </a:fld>
             <a:endParaRPr lang="en-US"/>
           </a:p>
@@ -28657,14 +30209,14 @@
   <p:timing>
     <p:tnLst>
       <p:par>
-        <p:cTn xmlns:p14="http://schemas.microsoft.com/office/powerpoint/2010/main" id="1" dur="indefinite" restart="never" nodeType="tmRoot"/>
+        <p:cTn id="1" dur="indefinite" restart="never" nodeType="tmRoot"/>
       </p:par>
     </p:tnLst>
   </p:timing>
 </p:sld>
 </file>
 
-<file path=ppt/slides/slide6.xml><?xml version="1.0" encoding="utf-8"?>
+<file path=ppt/slides/slide67.xml><?xml version="1.0" encoding="utf-8"?>
 <p:sld xmlns:a="http://schemas.openxmlformats.org/drawingml/2006/main" xmlns:r="http://schemas.openxmlformats.org/officeDocument/2006/relationships" xmlns:p="http://schemas.openxmlformats.org/presentationml/2006/main">
   <p:cSld>
     <p:spTree>
@@ -28698,7 +30250,7 @@
           <a:p>
             <a:r>
               <a:rPr lang="en-US" dirty="0" smtClean="0"/>
-              <a:t>HDFS Architecture</a:t>
+              <a:t>Understand WI</a:t>
             </a:r>
             <a:endParaRPr lang="en-US" dirty="0"/>
           </a:p>
@@ -28716,122 +30268,32 @@
         </p:nvSpPr>
         <p:spPr/>
         <p:txBody>
-          <a:bodyPr>
-            <a:normAutofit fontScale="85000" lnSpcReduction="20000"/>
-          </a:bodyPr>
+          <a:bodyPr/>
           <a:lstStyle/>
           <a:p>
             <a:r>
               <a:rPr lang="en-US" dirty="0" smtClean="0"/>
-              <a:t>HDFS – </a:t>
-            </a:r>
+              <a:t>Resource Manager WI</a:t>
+            </a:r>
+          </a:p>
+          <a:p>
+            <a:r>
+              <a:rPr lang="en-US" dirty="0" smtClean="0"/>
+              <a:t>Job History WI</a:t>
+            </a:r>
+          </a:p>
+          <a:p>
+            <a:r>
+              <a:rPr lang="en-US" dirty="0" smtClean="0"/>
+              <a:t>Per job application master WI</a:t>
+            </a:r>
+          </a:p>
+          <a:p>
             <a:r>
               <a:rPr lang="en-US" dirty="0" err="1" smtClean="0"/>
-              <a:t>Hadoop</a:t>
-            </a:r>
-            <a:r>
-              <a:rPr lang="en-US" dirty="0" smtClean="0"/>
-              <a:t> Distributed File System (Storage)</a:t>
-            </a:r>
-          </a:p>
-          <a:p>
-            <a:r>
-              <a:rPr lang="en-US" dirty="0" smtClean="0"/>
-              <a:t>Daemon Processes</a:t>
-            </a:r>
-          </a:p>
-          <a:p>
-            <a:pPr lvl="1"/>
-            <a:r>
-              <a:rPr lang="en-US" dirty="0" smtClean="0"/>
-              <a:t>Slaves: </a:t>
-            </a:r>
-            <a:r>
-              <a:rPr lang="en-US" dirty="0" err="1" smtClean="0"/>
-              <a:t>Datanodes</a:t>
+              <a:t>Ambari</a:t>
             </a:r>
             <a:endParaRPr lang="en-US" dirty="0" smtClean="0"/>
-          </a:p>
-          <a:p>
-            <a:pPr lvl="1"/>
-            <a:r>
-              <a:rPr lang="en-US" dirty="0" smtClean="0"/>
-              <a:t>Masters: </a:t>
-            </a:r>
-            <a:r>
-              <a:rPr lang="en-US" dirty="0" err="1" smtClean="0"/>
-              <a:t>Namenode</a:t>
-            </a:r>
-            <a:r>
-              <a:rPr lang="en-US" dirty="0" smtClean="0"/>
-              <a:t>(s) and Secondary </a:t>
-            </a:r>
-            <a:r>
-              <a:rPr lang="en-US" dirty="0" err="1" smtClean="0"/>
-              <a:t>Namenode</a:t>
-            </a:r>
-            <a:endParaRPr lang="en-US" dirty="0" smtClean="0"/>
-          </a:p>
-          <a:p>
-            <a:r>
-              <a:rPr lang="en-US" dirty="0" smtClean="0"/>
-              <a:t>Parameter Files</a:t>
-            </a:r>
-          </a:p>
-          <a:p>
-            <a:pPr lvl="1"/>
-            <a:r>
-              <a:rPr lang="en-US" dirty="0" smtClean="0"/>
-              <a:t>core-</a:t>
-            </a:r>
-            <a:r>
-              <a:rPr lang="en-US" dirty="0" err="1" smtClean="0"/>
-              <a:t>site.xml</a:t>
-            </a:r>
-            <a:endParaRPr lang="en-US" dirty="0" smtClean="0"/>
-          </a:p>
-          <a:p>
-            <a:pPr lvl="1"/>
-            <a:r>
-              <a:rPr lang="en-US" dirty="0" err="1" smtClean="0"/>
-              <a:t>hdfs-site.xml</a:t>
-            </a:r>
-            <a:endParaRPr lang="en-US" dirty="0" smtClean="0"/>
-          </a:p>
-          <a:p>
-            <a:r>
-              <a:rPr lang="en-US" dirty="0" smtClean="0"/>
-              <a:t>Apache Web Interfaces</a:t>
-            </a:r>
-          </a:p>
-          <a:p>
-            <a:pPr lvl="1"/>
-            <a:r>
-              <a:rPr lang="en-US" dirty="0" err="1" smtClean="0"/>
-              <a:t>Namenode</a:t>
-            </a:r>
-            <a:r>
-              <a:rPr lang="en-US" dirty="0" smtClean="0"/>
-              <a:t> WUI</a:t>
-            </a:r>
-          </a:p>
-          <a:p>
-            <a:pPr lvl="1"/>
-            <a:r>
-              <a:rPr lang="en-US" dirty="0" err="1" smtClean="0"/>
-              <a:t>Datanode</a:t>
-            </a:r>
-            <a:r>
-              <a:rPr lang="en-US" dirty="0" smtClean="0"/>
-              <a:t> WUI</a:t>
-            </a:r>
-          </a:p>
-          <a:p>
-            <a:r>
-              <a:rPr lang="en-US" dirty="0" smtClean="0"/>
-              <a:t>Log Files</a:t>
-            </a:r>
-            <a:endParaRPr lang="en-US" dirty="0"/>
           </a:p>
         </p:txBody>
       </p:sp>
@@ -28853,7 +30315,7 @@
             <a:fld id="{31E7C4D2-2F11-4011-AB4F-F84DBF4A0B01}" type="slidenum">
               <a:rPr lang="en-US" smtClean="0"/>
               <a:pPr/>
-              <a:t>6</a:t>
+              <a:t>67</a:t>
             </a:fld>
             <a:endParaRPr lang="en-US"/>
           </a:p>
@@ -28862,7 +30324,7 @@
     </p:spTree>
     <p:extLst>
       <p:ext uri="{BB962C8B-B14F-4D97-AF65-F5344CB8AC3E}">
-        <p14:creationId xmlns:p14="http://schemas.microsoft.com/office/powerpoint/2010/main" val="1768427434"/>
+        <p14:creationId xmlns:p14="http://schemas.microsoft.com/office/powerpoint/2010/main" val="2300735633"/>
       </p:ext>
     </p:extLst>
   </p:cSld>
@@ -28872,14 +30334,14 @@
   <p:timing>
     <p:tnLst>
       <p:par>
-        <p:cTn xmlns:p14="http://schemas.microsoft.com/office/powerpoint/2010/main" id="1" dur="indefinite" restart="never" nodeType="tmRoot"/>
+        <p:cTn id="1" dur="indefinite" restart="never" nodeType="tmRoot"/>
       </p:par>
     </p:tnLst>
   </p:timing>
 </p:sld>
 </file>
 
-<file path=ppt/slides/slide60.xml><?xml version="1.0" encoding="utf-8"?>
+<file path=ppt/slides/slide68.xml><?xml version="1.0" encoding="utf-8"?>
 <p:sld xmlns:a="http://schemas.openxmlformats.org/drawingml/2006/main" xmlns:r="http://schemas.openxmlformats.org/officeDocument/2006/relationships" xmlns:p="http://schemas.openxmlformats.org/presentationml/2006/main">
   <p:cSld>
     <p:spTree>
@@ -28913,7 +30375,15 @@
           <a:p>
             <a:r>
               <a:rPr lang="en-US" dirty="0" smtClean="0"/>
-              <a:t>Understand WI</a:t>
+              <a:t>YARN and </a:t>
+            </a:r>
+            <a:r>
+              <a:rPr lang="en-US" dirty="0" err="1" smtClean="0"/>
+              <a:t>Mapred</a:t>
+            </a:r>
+            <a:r>
+              <a:rPr lang="en-US" dirty="0" smtClean="0"/>
+              <a:t> WI</a:t>
             </a:r>
             <a:endParaRPr lang="en-US" dirty="0"/>
           </a:p>
@@ -28936,27 +30406,35 @@
           <a:p>
             <a:r>
               <a:rPr lang="en-US" dirty="0" smtClean="0"/>
-              <a:t>Resource Manager WI</a:t>
-            </a:r>
-          </a:p>
-          <a:p>
-            <a:r>
-              <a:rPr lang="en-US" dirty="0" smtClean="0"/>
-              <a:t>Job History WI</a:t>
-            </a:r>
-          </a:p>
-          <a:p>
-            <a:r>
-              <a:rPr lang="en-US" dirty="0" smtClean="0"/>
-              <a:t>Per job application master WI</a:t>
-            </a:r>
-          </a:p>
-          <a:p>
+              <a:t>Run a job</a:t>
+            </a:r>
+          </a:p>
+          <a:p>
+            <a:r>
+              <a:rPr lang="en-US" dirty="0" smtClean="0"/>
+              <a:t>Monitor while job is running</a:t>
+            </a:r>
+          </a:p>
+          <a:p>
+            <a:r>
+              <a:rPr lang="en-US" dirty="0" smtClean="0"/>
+              <a:t>Evaluate results once job is completed (Job History server)</a:t>
+            </a:r>
+          </a:p>
+          <a:p>
+            <a:r>
+              <a:rPr lang="en-US" dirty="0" smtClean="0"/>
+              <a:t>Importance of </a:t>
+            </a:r>
             <a:r>
               <a:rPr lang="en-US" dirty="0" err="1" smtClean="0"/>
-              <a:t>Ambari</a:t>
-            </a:r>
-            <a:endParaRPr lang="en-US" dirty="0" smtClean="0"/>
+              <a:t>job.xml</a:t>
+            </a:r>
+            <a:r>
+              <a:rPr lang="en-US" dirty="0" smtClean="0"/>
+              <a:t> for every job</a:t>
+            </a:r>
+            <a:endParaRPr lang="en-US" dirty="0"/>
           </a:p>
         </p:txBody>
       </p:sp>
@@ -28978,7 +30456,7 @@
             <a:fld id="{31E7C4D2-2F11-4011-AB4F-F84DBF4A0B01}" type="slidenum">
               <a:rPr lang="en-US" smtClean="0"/>
               <a:pPr/>
-              <a:t>60</a:t>
+              <a:t>68</a:t>
             </a:fld>
             <a:endParaRPr lang="en-US"/>
           </a:p>
@@ -28987,7 +30465,7 @@
     </p:spTree>
     <p:extLst>
       <p:ext uri="{BB962C8B-B14F-4D97-AF65-F5344CB8AC3E}">
-        <p14:creationId xmlns:p14="http://schemas.microsoft.com/office/powerpoint/2010/main" val="2300735633"/>
+        <p14:creationId xmlns:p14="http://schemas.microsoft.com/office/powerpoint/2010/main" val="3476251410"/>
       </p:ext>
     </p:extLst>
   </p:cSld>
@@ -28997,14 +30475,14 @@
   <p:timing>
     <p:tnLst>
       <p:par>
-        <p:cTn xmlns:p14="http://schemas.microsoft.com/office/powerpoint/2010/main" id="1" dur="indefinite" restart="never" nodeType="tmRoot"/>
+        <p:cTn id="1" dur="indefinite" restart="never" nodeType="tmRoot"/>
       </p:par>
     </p:tnLst>
   </p:timing>
 </p:sld>
 </file>
 
-<file path=ppt/slides/slide61.xml><?xml version="1.0" encoding="utf-8"?>
+<file path=ppt/slides/slide69.xml><?xml version="1.0" encoding="utf-8"?>
 <p:sld xmlns:a="http://schemas.openxmlformats.org/drawingml/2006/main" xmlns:r="http://schemas.openxmlformats.org/officeDocument/2006/relationships" xmlns:p="http://schemas.openxmlformats.org/presentationml/2006/main">
   <p:cSld>
     <p:spTree>
@@ -29038,64 +30516,7 @@
           <a:p>
             <a:r>
               <a:rPr lang="en-US" dirty="0" smtClean="0"/>
-              <a:t>YARN and </a:t>
-            </a:r>
-            <a:r>
-              <a:rPr lang="en-US" dirty="0" err="1" smtClean="0"/>
-              <a:t>Mapred</a:t>
-            </a:r>
-            <a:r>
-              <a:rPr lang="en-US" dirty="0" smtClean="0"/>
-              <a:t> WI</a:t>
-            </a:r>
-            <a:endParaRPr lang="en-US" dirty="0"/>
-          </a:p>
-        </p:txBody>
-      </p:sp>
-      <p:sp>
-        <p:nvSpPr>
-          <p:cNvPr id="2" name="Content Placeholder 1"/>
-          <p:cNvSpPr>
-            <a:spLocks noGrp="1"/>
-          </p:cNvSpPr>
-          <p:nvPr>
-            <p:ph idx="1"/>
-          </p:nvPr>
-        </p:nvSpPr>
-        <p:spPr/>
-        <p:txBody>
-          <a:bodyPr/>
-          <a:lstStyle/>
-          <a:p>
-            <a:r>
-              <a:rPr lang="en-US" dirty="0" smtClean="0"/>
-              <a:t>Run a job</a:t>
-            </a:r>
-          </a:p>
-          <a:p>
-            <a:r>
-              <a:rPr lang="en-US" dirty="0" smtClean="0"/>
-              <a:t>Monitor while job is running</a:t>
-            </a:r>
-          </a:p>
-          <a:p>
-            <a:r>
-              <a:rPr lang="en-US" dirty="0" smtClean="0"/>
-              <a:t>Evaluate results once job is completed (Job History server)</a:t>
-            </a:r>
-          </a:p>
-          <a:p>
-            <a:r>
-              <a:rPr lang="en-US" dirty="0" smtClean="0"/>
-              <a:t>Importance of </a:t>
-            </a:r>
-            <a:r>
-              <a:rPr lang="en-US" dirty="0" err="1" smtClean="0"/>
-              <a:t>job.xml</a:t>
-            </a:r>
-            <a:r>
-              <a:rPr lang="en-US" dirty="0" smtClean="0"/>
-              <a:t> for every job</a:t>
+              <a:t>Map Reduce Job Flow (YARN)</a:t>
             </a:r>
             <a:endParaRPr lang="en-US" dirty="0"/>
           </a:p>
@@ -29119,91 +30540,7 @@
             <a:fld id="{31E7C4D2-2F11-4011-AB4F-F84DBF4A0B01}" type="slidenum">
               <a:rPr lang="en-US" smtClean="0"/>
               <a:pPr/>
-              <a:t>61</a:t>
-            </a:fld>
-            <a:endParaRPr lang="en-US"/>
-          </a:p>
-        </p:txBody>
-      </p:sp>
-    </p:spTree>
-    <p:extLst>
-      <p:ext uri="{BB962C8B-B14F-4D97-AF65-F5344CB8AC3E}">
-        <p14:creationId xmlns:p14="http://schemas.microsoft.com/office/powerpoint/2010/main" val="3476251410"/>
-      </p:ext>
-    </p:extLst>
-  </p:cSld>
-  <p:clrMapOvr>
-    <a:masterClrMapping/>
-  </p:clrMapOvr>
-  <p:timing>
-    <p:tnLst>
-      <p:par>
-        <p:cTn xmlns:p14="http://schemas.microsoft.com/office/powerpoint/2010/main" id="1" dur="indefinite" restart="never" nodeType="tmRoot"/>
-      </p:par>
-    </p:tnLst>
-  </p:timing>
-</p:sld>
-</file>
-
-<file path=ppt/slides/slide62.xml><?xml version="1.0" encoding="utf-8"?>
-<p:sld xmlns:a="http://schemas.openxmlformats.org/drawingml/2006/main" xmlns:r="http://schemas.openxmlformats.org/officeDocument/2006/relationships" xmlns:p="http://schemas.openxmlformats.org/presentationml/2006/main">
-  <p:cSld>
-    <p:spTree>
-      <p:nvGrpSpPr>
-        <p:cNvPr id="1" name=""/>
-        <p:cNvGrpSpPr/>
-        <p:nvPr/>
-      </p:nvGrpSpPr>
-      <p:grpSpPr>
-        <a:xfrm>
-          <a:off x="0" y="0"/>
-          <a:ext cx="0" cy="0"/>
-          <a:chOff x="0" y="0"/>
-          <a:chExt cx="0" cy="0"/>
-        </a:xfrm>
-      </p:grpSpPr>
-      <p:sp>
-        <p:nvSpPr>
-          <p:cNvPr id="4" name="Title 3"/>
-          <p:cNvSpPr>
-            <a:spLocks noGrp="1"/>
-          </p:cNvSpPr>
-          <p:nvPr>
-            <p:ph type="title"/>
-          </p:nvPr>
-        </p:nvSpPr>
-        <p:spPr/>
-        <p:txBody>
-          <a:bodyPr/>
-          <a:lstStyle/>
-          <a:p>
-            <a:r>
-              <a:rPr lang="en-US" dirty="0" smtClean="0"/>
-              <a:t>Map Reduce Job Flow (YARN)</a:t>
-            </a:r>
-            <a:endParaRPr lang="en-US" dirty="0"/>
-          </a:p>
-        </p:txBody>
-      </p:sp>
-      <p:sp>
-        <p:nvSpPr>
-          <p:cNvPr id="3" name="Slide Number Placeholder 2"/>
-          <p:cNvSpPr>
-            <a:spLocks noGrp="1"/>
-          </p:cNvSpPr>
-          <p:nvPr>
-            <p:ph type="sldNum" sz="quarter" idx="12"/>
-          </p:nvPr>
-        </p:nvSpPr>
-        <p:spPr/>
-        <p:txBody>
-          <a:bodyPr/>
-          <a:lstStyle/>
-          <a:p>
-            <a:fld id="{31E7C4D2-2F11-4011-AB4F-F84DBF4A0B01}" type="slidenum">
-              <a:rPr lang="en-US" smtClean="0"/>
-              <a:pPr/>
-              <a:t>62</a:t>
+              <a:t>69</a:t>
             </a:fld>
             <a:endParaRPr lang="en-US"/>
           </a:p>
@@ -29244,14 +30581,14 @@
           </a:ln>
           <a:extLst>
             <a:ext uri="{909E8E84-426E-40dd-AFC4-6F175D3DCCD1}">
-              <a14:hiddenFill xmlns:a14="http://schemas.microsoft.com/office/drawing/2010/main">
+              <a14:hiddenFill xmlns:a14="http://schemas.microsoft.com/office/drawing/2010/main" xmlns="">
                 <a:solidFill>
                   <a:srgbClr val="FFFFFF"/>
                 </a:solidFill>
               </a14:hiddenFill>
             </a:ext>
             <a:ext uri="{91240B29-F687-4f45-9708-019B960494DF}">
-              <a14:hiddenLine xmlns:a14="http://schemas.microsoft.com/office/drawing/2010/main" w="9525">
+              <a14:hiddenLine xmlns:a14="http://schemas.microsoft.com/office/drawing/2010/main" xmlns="" w="9525">
                 <a:solidFill>
                   <a:srgbClr val="000000"/>
                 </a:solidFill>
@@ -29276,14 +30613,203 @@
   <p:timing>
     <p:tnLst>
       <p:par>
-        <p:cTn xmlns:p14="http://schemas.microsoft.com/office/powerpoint/2010/main" id="1" dur="indefinite" restart="never" nodeType="tmRoot"/>
+        <p:cTn id="1" dur="indefinite" restart="never" nodeType="tmRoot"/>
       </p:par>
     </p:tnLst>
   </p:timing>
 </p:sld>
 </file>
 
-<file path=ppt/slides/slide63.xml><?xml version="1.0" encoding="utf-8"?>
+<file path=ppt/slides/slide7.xml><?xml version="1.0" encoding="utf-8"?>
+<p:sld xmlns:a="http://schemas.openxmlformats.org/drawingml/2006/main" xmlns:r="http://schemas.openxmlformats.org/officeDocument/2006/relationships" xmlns:p="http://schemas.openxmlformats.org/presentationml/2006/main">
+  <p:cSld>
+    <p:spTree>
+      <p:nvGrpSpPr>
+        <p:cNvPr id="1" name=""/>
+        <p:cNvGrpSpPr/>
+        <p:nvPr/>
+      </p:nvGrpSpPr>
+      <p:grpSpPr>
+        <a:xfrm>
+          <a:off x="0" y="0"/>
+          <a:ext cx="0" cy="0"/>
+          <a:chOff x="0" y="0"/>
+          <a:chExt cx="0" cy="0"/>
+        </a:xfrm>
+      </p:grpSpPr>
+      <p:sp>
+        <p:nvSpPr>
+          <p:cNvPr id="4" name="Title 3"/>
+          <p:cNvSpPr>
+            <a:spLocks noGrp="1"/>
+          </p:cNvSpPr>
+          <p:nvPr>
+            <p:ph type="title"/>
+          </p:nvPr>
+        </p:nvSpPr>
+        <p:spPr/>
+        <p:txBody>
+          <a:bodyPr/>
+          <a:lstStyle/>
+          <a:p>
+            <a:r>
+              <a:rPr lang="en-US" dirty="0" smtClean="0"/>
+              <a:t>Setup HDFS on </a:t>
+            </a:r>
+            <a:r>
+              <a:rPr lang="en-US" dirty="0" err="1" smtClean="0"/>
+              <a:t>Ambari</a:t>
+            </a:r>
+            <a:endParaRPr lang="en-US" dirty="0"/>
+          </a:p>
+        </p:txBody>
+      </p:sp>
+      <p:sp>
+        <p:nvSpPr>
+          <p:cNvPr id="2" name="Content Placeholder 1"/>
+          <p:cNvSpPr>
+            <a:spLocks noGrp="1"/>
+          </p:cNvSpPr>
+          <p:nvPr>
+            <p:ph idx="1"/>
+          </p:nvPr>
+        </p:nvSpPr>
+        <p:spPr/>
+        <p:txBody>
+          <a:bodyPr>
+            <a:normAutofit fontScale="92500" lnSpcReduction="10000"/>
+          </a:bodyPr>
+          <a:lstStyle/>
+          <a:p>
+            <a:r>
+              <a:rPr lang="en-US" dirty="0" smtClean="0"/>
+              <a:t>Login to </a:t>
+            </a:r>
+            <a:r>
+              <a:rPr lang="en-US" dirty="0" err="1" smtClean="0"/>
+              <a:t>ambari</a:t>
+            </a:r>
+            <a:r>
+              <a:rPr lang="en-US" dirty="0" smtClean="0"/>
+              <a:t> (http://&lt;</a:t>
+            </a:r>
+            <a:r>
+              <a:rPr lang="en-US" dirty="0" err="1" smtClean="0"/>
+              <a:t>ipaddress</a:t>
+            </a:r>
+            <a:r>
+              <a:rPr lang="en-US" dirty="0" smtClean="0"/>
+              <a:t>&gt;:8080</a:t>
+            </a:r>
+          </a:p>
+          <a:p>
+            <a:r>
+              <a:rPr lang="en-US" dirty="0" smtClean="0"/>
+              <a:t>Default user/password: admin/admin</a:t>
+            </a:r>
+          </a:p>
+          <a:p>
+            <a:r>
+              <a:rPr lang="en-US" dirty="0" smtClean="0"/>
+              <a:t>Click on add service</a:t>
+            </a:r>
+          </a:p>
+          <a:p>
+            <a:r>
+              <a:rPr lang="en-US" dirty="0" smtClean="0"/>
+              <a:t>Install binaries</a:t>
+            </a:r>
+          </a:p>
+          <a:p>
+            <a:r>
+              <a:rPr lang="en-US" dirty="0" smtClean="0"/>
+              <a:t>Configure </a:t>
+            </a:r>
+            <a:r>
+              <a:rPr lang="en-US" dirty="0" err="1" smtClean="0"/>
+              <a:t>Namenode</a:t>
+            </a:r>
+            <a:r>
+              <a:rPr lang="en-US" dirty="0" smtClean="0"/>
+              <a:t>, Secondary </a:t>
+            </a:r>
+            <a:r>
+              <a:rPr lang="en-US" dirty="0" err="1" smtClean="0"/>
+              <a:t>Namenode</a:t>
+            </a:r>
+            <a:r>
+              <a:rPr lang="en-US" dirty="0" smtClean="0"/>
+              <a:t>, </a:t>
+            </a:r>
+            <a:r>
+              <a:rPr lang="en-US" dirty="0" err="1" smtClean="0"/>
+              <a:t>Datanodes</a:t>
+            </a:r>
+            <a:r>
+              <a:rPr lang="en-US" dirty="0" smtClean="0"/>
+              <a:t> as well as client</a:t>
+            </a:r>
+          </a:p>
+          <a:p>
+            <a:r>
+              <a:rPr lang="en-US" dirty="0" smtClean="0"/>
+              <a:t>HDFS will be ready!!!</a:t>
+            </a:r>
+          </a:p>
+          <a:p>
+            <a:r>
+              <a:rPr lang="en-US" dirty="0" smtClean="0"/>
+              <a:t>Validate by copying a file from client/gateway node (master01)</a:t>
+            </a:r>
+            <a:endParaRPr lang="en-US" dirty="0"/>
+          </a:p>
+        </p:txBody>
+      </p:sp>
+      <p:sp>
+        <p:nvSpPr>
+          <p:cNvPr id="3" name="Slide Number Placeholder 2"/>
+          <p:cNvSpPr>
+            <a:spLocks noGrp="1"/>
+          </p:cNvSpPr>
+          <p:nvPr>
+            <p:ph type="sldNum" sz="quarter" idx="12"/>
+          </p:nvPr>
+        </p:nvSpPr>
+        <p:spPr/>
+        <p:txBody>
+          <a:bodyPr/>
+          <a:lstStyle/>
+          <a:p>
+            <a:fld id="{31E7C4D2-2F11-4011-AB4F-F84DBF4A0B01}" type="slidenum">
+              <a:rPr lang="en-US" smtClean="0"/>
+              <a:pPr/>
+              <a:t>7</a:t>
+            </a:fld>
+            <a:endParaRPr lang="en-US"/>
+          </a:p>
+        </p:txBody>
+      </p:sp>
+    </p:spTree>
+    <p:extLst>
+      <p:ext uri="{BB962C8B-B14F-4D97-AF65-F5344CB8AC3E}">
+        <p14:creationId xmlns:p14="http://schemas.microsoft.com/office/powerpoint/2010/main" val="2008699052"/>
+      </p:ext>
+    </p:extLst>
+  </p:cSld>
+  <p:clrMapOvr>
+    <a:masterClrMapping/>
+  </p:clrMapOvr>
+  <p:timing>
+    <p:tnLst>
+      <p:par>
+        <p:cTn id="1" dur="indefinite" restart="never" nodeType="tmRoot"/>
+      </p:par>
+    </p:tnLst>
+  </p:timing>
+</p:sld>
+</file>
+
+<file path=ppt/slides/slide70.xml><?xml version="1.0" encoding="utf-8"?>
 <p:sld xmlns:a="http://schemas.openxmlformats.org/drawingml/2006/main" xmlns:r="http://schemas.openxmlformats.org/officeDocument/2006/relationships" xmlns:p="http://schemas.openxmlformats.org/presentationml/2006/main">
   <p:cSld>
     <p:spTree>
@@ -29374,14 +30900,14 @@
           </a:ln>
           <a:extLst>
             <a:ext uri="{909E8E84-426E-40dd-AFC4-6F175D3DCCD1}">
-              <a14:hiddenFill xmlns:a14="http://schemas.microsoft.com/office/drawing/2010/main">
+              <a14:hiddenFill xmlns:a14="http://schemas.microsoft.com/office/drawing/2010/main" xmlns="">
                 <a:solidFill>
                   <a:srgbClr val="FFFFFF"/>
                 </a:solidFill>
               </a14:hiddenFill>
             </a:ext>
             <a:ext uri="{91240B29-F687-4f45-9708-019B960494DF}">
-              <a14:hiddenLine xmlns:a14="http://schemas.microsoft.com/office/drawing/2010/main" w="9525">
+              <a14:hiddenLine xmlns:a14="http://schemas.microsoft.com/office/drawing/2010/main" xmlns="" w="9525">
                 <a:solidFill>
                   <a:srgbClr val="000000"/>
                 </a:solidFill>
@@ -29406,14 +30932,14 @@
   <p:timing>
     <p:tnLst>
       <p:par>
-        <p:cTn xmlns:p14="http://schemas.microsoft.com/office/powerpoint/2010/main" id="1" dur="indefinite" restart="never" nodeType="tmRoot"/>
+        <p:cTn id="1" dur="indefinite" restart="never" nodeType="tmRoot"/>
       </p:par>
     </p:tnLst>
   </p:timing>
 </p:sld>
 </file>
 
-<file path=ppt/slides/slide64.xml><?xml version="1.0" encoding="utf-8"?>
+<file path=ppt/slides/slide71.xml><?xml version="1.0" encoding="utf-8"?>
 <p:sld xmlns:a="http://schemas.openxmlformats.org/drawingml/2006/main" xmlns:r="http://schemas.openxmlformats.org/officeDocument/2006/relationships" xmlns:p="http://schemas.openxmlformats.org/presentationml/2006/main">
   <p:cSld>
     <p:spTree>
@@ -29615,7 +31141,7 @@
             <a:fld id="{31E7C4D2-2F11-4011-AB4F-F84DBF4A0B01}" type="slidenum">
               <a:rPr lang="en-US" smtClean="0"/>
               <a:pPr/>
-              <a:t>64</a:t>
+              <a:t>71</a:t>
             </a:fld>
             <a:endParaRPr lang="en-US"/>
           </a:p>
@@ -29634,14 +31160,14 @@
   <p:timing>
     <p:tnLst>
       <p:par>
-        <p:cTn xmlns:p14="http://schemas.microsoft.com/office/powerpoint/2010/main" id="1" dur="indefinite" restart="never" nodeType="tmRoot"/>
+        <p:cTn id="1" dur="indefinite" restart="never" nodeType="tmRoot"/>
       </p:par>
     </p:tnLst>
   </p:timing>
 </p:sld>
 </file>
 
-<file path=ppt/slides/slide65.xml><?xml version="1.0" encoding="utf-8"?>
+<file path=ppt/slides/slide72.xml><?xml version="1.0" encoding="utf-8"?>
 <p:sld xmlns:a="http://schemas.openxmlformats.org/drawingml/2006/main" xmlns:r="http://schemas.openxmlformats.org/officeDocument/2006/relationships" xmlns:p="http://schemas.openxmlformats.org/presentationml/2006/main">
   <p:cSld>
     <p:spTree>
@@ -30495,7 +32021,7 @@
           </a:effectLst>
           <a:extLst>
             <a:ext uri="{909E8E84-426E-40dd-AFC4-6F175D3DCCD1}">
-              <a14:hiddenFill xmlns:a14="http://schemas.microsoft.com/office/drawing/2010/main">
+              <a14:hiddenFill xmlns:a14="http://schemas.microsoft.com/office/drawing/2010/main" xmlns="">
                 <a:noFill/>
               </a14:hiddenFill>
             </a:ext>
@@ -30540,7 +32066,7 @@
           </a:effectLst>
           <a:extLst>
             <a:ext uri="{909E8E84-426E-40dd-AFC4-6F175D3DCCD1}">
-              <a14:hiddenFill xmlns:a14="http://schemas.microsoft.com/office/drawing/2010/main">
+              <a14:hiddenFill xmlns:a14="http://schemas.microsoft.com/office/drawing/2010/main" xmlns="">
                 <a:noFill/>
               </a14:hiddenFill>
             </a:ext>
@@ -30560,14 +32086,14 @@
   <p:timing>
     <p:tnLst>
       <p:par>
-        <p:cTn xmlns:p14="http://schemas.microsoft.com/office/powerpoint/2010/main" id="1" dur="indefinite" restart="never" nodeType="tmRoot"/>
+        <p:cTn id="1" dur="indefinite" restart="never" nodeType="tmRoot"/>
       </p:par>
     </p:tnLst>
   </p:timing>
 </p:sld>
 </file>
 
-<file path=ppt/slides/slide66.xml><?xml version="1.0" encoding="utf-8"?>
+<file path=ppt/slides/slide73.xml><?xml version="1.0" encoding="utf-8"?>
 <p:sld xmlns:a="http://schemas.openxmlformats.org/drawingml/2006/main" xmlns:r="http://schemas.openxmlformats.org/officeDocument/2006/relationships" xmlns:p="http://schemas.openxmlformats.org/presentationml/2006/main">
   <p:cSld>
     <p:spTree>
@@ -31310,14 +32836,14 @@
   <p:timing>
     <p:tnLst>
       <p:par>
-        <p:cTn xmlns:p14="http://schemas.microsoft.com/office/powerpoint/2010/main" id="1" dur="indefinite" restart="never" nodeType="tmRoot"/>
+        <p:cTn id="1" dur="indefinite" restart="never" nodeType="tmRoot"/>
       </p:par>
     </p:tnLst>
   </p:timing>
 </p:sld>
 </file>
 
-<file path=ppt/slides/slide67.xml><?xml version="1.0" encoding="utf-8"?>
+<file path=ppt/slides/slide74.xml><?xml version="1.0" encoding="utf-8"?>
 <p:sld xmlns:a="http://schemas.openxmlformats.org/drawingml/2006/main" xmlns:r="http://schemas.openxmlformats.org/officeDocument/2006/relationships" xmlns:p="http://schemas.openxmlformats.org/presentationml/2006/main">
   <p:cSld>
     <p:spTree>
@@ -31430,14 +32956,14 @@
   <p:timing>
     <p:tnLst>
       <p:par>
-        <p:cTn xmlns:p14="http://schemas.microsoft.com/office/powerpoint/2010/main" id="1" dur="indefinite" restart="never" nodeType="tmRoot"/>
+        <p:cTn id="1" dur="indefinite" restart="never" nodeType="tmRoot"/>
       </p:par>
     </p:tnLst>
   </p:timing>
 </p:sld>
 </file>
 
-<file path=ppt/slides/slide68.xml><?xml version="1.0" encoding="utf-8"?>
+<file path=ppt/slides/slide75.xml><?xml version="1.0" encoding="utf-8"?>
 <p:sld xmlns:a="http://schemas.openxmlformats.org/drawingml/2006/main" xmlns:r="http://schemas.openxmlformats.org/officeDocument/2006/relationships" xmlns:p="http://schemas.openxmlformats.org/presentationml/2006/main">
   <p:cSld>
     <p:spTree>
@@ -31495,7 +33021,7 @@
             <a:fld id="{31E7C4D2-2F11-4011-AB4F-F84DBF4A0B01}" type="slidenum">
               <a:rPr lang="en-US" smtClean="0"/>
               <a:pPr/>
-              <a:t>68</a:t>
+              <a:t>75</a:t>
             </a:fld>
             <a:endParaRPr lang="en-US"/>
           </a:p>
@@ -32886,14 +34412,14 @@
   <p:timing>
     <p:tnLst>
       <p:par>
-        <p:cTn xmlns:p14="http://schemas.microsoft.com/office/powerpoint/2010/main" id="1" dur="indefinite" restart="never" nodeType="tmRoot"/>
+        <p:cTn id="1" dur="indefinite" restart="never" nodeType="tmRoot"/>
       </p:par>
     </p:tnLst>
   </p:timing>
 </p:sld>
 </file>
 
-<file path=ppt/slides/slide69.xml><?xml version="1.0" encoding="utf-8"?>
+<file path=ppt/slides/slide76.xml><?xml version="1.0" encoding="utf-8"?>
 <p:sld xmlns:a="http://schemas.openxmlformats.org/drawingml/2006/main" xmlns:r="http://schemas.openxmlformats.org/officeDocument/2006/relationships" xmlns:p="http://schemas.openxmlformats.org/presentationml/2006/main">
   <p:cSld>
     <p:spTree>
@@ -33087,7 +34613,7 @@
             <a:fld id="{31E7C4D2-2F11-4011-AB4F-F84DBF4A0B01}" type="slidenum">
               <a:rPr lang="en-US" smtClean="0"/>
               <a:pPr/>
-              <a:t>69</a:t>
+              <a:t>76</a:t>
             </a:fld>
             <a:endParaRPr lang="en-US"/>
           </a:p>
@@ -33106,14 +34632,14 @@
   <p:timing>
     <p:tnLst>
       <p:par>
-        <p:cTn xmlns:p14="http://schemas.microsoft.com/office/powerpoint/2010/main" id="1" dur="indefinite" restart="never" nodeType="tmRoot"/>
+        <p:cTn id="1" dur="indefinite" restart="never" nodeType="tmRoot"/>
       </p:par>
     </p:tnLst>
   </p:timing>
 </p:sld>
 </file>
 
-<file path=ppt/slides/slide7.xml><?xml version="1.0" encoding="utf-8"?>
+<file path=ppt/slides/slide77.xml><?xml version="1.0" encoding="utf-8"?>
 <p:sld xmlns:a="http://schemas.openxmlformats.org/drawingml/2006/main" xmlns:r="http://schemas.openxmlformats.org/officeDocument/2006/relationships" xmlns:p="http://schemas.openxmlformats.org/presentationml/2006/main">
   <p:cSld>
     <p:spTree>
@@ -33147,11 +34673,7 @@
           <a:p>
             <a:r>
               <a:rPr lang="en-US" dirty="0" smtClean="0"/>
-              <a:t>Setup HDFS on </a:t>
-            </a:r>
-            <a:r>
-              <a:rPr lang="en-US" dirty="0" err="1" smtClean="0"/>
-              <a:t>Ambari</a:t>
+              <a:t>Scheduling Jobs</a:t>
             </a:r>
             <a:endParaRPr lang="en-US" dirty="0"/>
           </a:p>
@@ -33169,90 +34691,24 @@
         </p:nvSpPr>
         <p:spPr/>
         <p:txBody>
-          <a:bodyPr>
-            <a:normAutofit fontScale="92500" lnSpcReduction="10000"/>
-          </a:bodyPr>
+          <a:bodyPr/>
           <a:lstStyle/>
           <a:p>
             <a:r>
               <a:rPr lang="en-US" dirty="0" smtClean="0"/>
-              <a:t>Login to </a:t>
-            </a:r>
-            <a:r>
-              <a:rPr lang="en-US" dirty="0" err="1" smtClean="0"/>
-              <a:t>ambari</a:t>
-            </a:r>
-            <a:r>
-              <a:rPr lang="en-US" dirty="0" smtClean="0"/>
-              <a:t> (http://&lt;</a:t>
-            </a:r>
-            <a:r>
-              <a:rPr lang="en-US" dirty="0" err="1" smtClean="0"/>
-              <a:t>ipaddress</a:t>
-            </a:r>
-            <a:r>
-              <a:rPr lang="en-US" dirty="0" smtClean="0"/>
-              <a:t>&gt;:8080</a:t>
-            </a:r>
-          </a:p>
-          <a:p>
-            <a:r>
-              <a:rPr lang="en-US" dirty="0" smtClean="0"/>
-              <a:t>Default user/password: admin/admin</a:t>
-            </a:r>
-          </a:p>
-          <a:p>
-            <a:r>
-              <a:rPr lang="en-US" dirty="0" smtClean="0"/>
-              <a:t>Click on add service</a:t>
-            </a:r>
-          </a:p>
-          <a:p>
-            <a:r>
-              <a:rPr lang="en-US" dirty="0" smtClean="0"/>
-              <a:t>Install binaries</a:t>
-            </a:r>
-          </a:p>
-          <a:p>
-            <a:r>
-              <a:rPr lang="en-US" dirty="0" smtClean="0"/>
-              <a:t>Configure </a:t>
-            </a:r>
-            <a:r>
-              <a:rPr lang="en-US" dirty="0" err="1" smtClean="0"/>
-              <a:t>Namenode</a:t>
-            </a:r>
-            <a:r>
-              <a:rPr lang="en-US" dirty="0" smtClean="0"/>
-              <a:t>, Secondary </a:t>
-            </a:r>
-            <a:r>
-              <a:rPr lang="en-US" dirty="0" err="1" smtClean="0"/>
-              <a:t>Namenode</a:t>
-            </a:r>
-            <a:r>
-              <a:rPr lang="en-US" dirty="0" smtClean="0"/>
-              <a:t>, </a:t>
-            </a:r>
-            <a:r>
-              <a:rPr lang="en-US" dirty="0" err="1" smtClean="0"/>
-              <a:t>Datanodes</a:t>
-            </a:r>
-            <a:r>
-              <a:rPr lang="en-US" dirty="0" smtClean="0"/>
-              <a:t> as well as client</a:t>
-            </a:r>
-          </a:p>
-          <a:p>
-            <a:r>
-              <a:rPr lang="en-US" dirty="0" smtClean="0"/>
-              <a:t>HDFS will be ready!!!</a:t>
-            </a:r>
-          </a:p>
-          <a:p>
-            <a:r>
-              <a:rPr lang="en-US" dirty="0" smtClean="0"/>
-              <a:t>Validate by copying a file from client/gateway node (master01)</a:t>
+              <a:t>FIFO Scheduler</a:t>
+            </a:r>
+          </a:p>
+          <a:p>
+            <a:r>
+              <a:rPr lang="en-US" dirty="0" smtClean="0"/>
+              <a:t>Fair Scheduler</a:t>
+            </a:r>
+          </a:p>
+          <a:p>
+            <a:r>
+              <a:rPr lang="en-US" dirty="0" smtClean="0"/>
+              <a:t>Capacity Scheduler</a:t>
             </a:r>
             <a:endParaRPr lang="en-US" dirty="0"/>
           </a:p>
@@ -33276,7 +34732,7 @@
             <a:fld id="{31E7C4D2-2F11-4011-AB4F-F84DBF4A0B01}" type="slidenum">
               <a:rPr lang="en-US" smtClean="0"/>
               <a:pPr/>
-              <a:t>7</a:t>
+              <a:t>77</a:t>
             </a:fld>
             <a:endParaRPr lang="en-US"/>
           </a:p>
@@ -33285,7 +34741,7 @@
     </p:spTree>
     <p:extLst>
       <p:ext uri="{BB962C8B-B14F-4D97-AF65-F5344CB8AC3E}">
-        <p14:creationId xmlns:p14="http://schemas.microsoft.com/office/powerpoint/2010/main" val="2008699052"/>
+        <p14:creationId xmlns:p14="http://schemas.microsoft.com/office/powerpoint/2010/main" val="1978182538"/>
       </p:ext>
     </p:extLst>
   </p:cSld>
@@ -33295,14 +34751,14 @@
   <p:timing>
     <p:tnLst>
       <p:par>
-        <p:cTn xmlns:p14="http://schemas.microsoft.com/office/powerpoint/2010/main" id="1" dur="indefinite" restart="never" nodeType="tmRoot"/>
+        <p:cTn id="1" dur="indefinite" restart="never" nodeType="tmRoot"/>
       </p:par>
     </p:tnLst>
   </p:timing>
 </p:sld>
 </file>
 
-<file path=ppt/slides/slide70.xml><?xml version="1.0" encoding="utf-8"?>
+<file path=ppt/slides/slide78.xml><?xml version="1.0" encoding="utf-8"?>
 <p:sld xmlns:a="http://schemas.openxmlformats.org/drawingml/2006/main" xmlns:r="http://schemas.openxmlformats.org/officeDocument/2006/relationships" xmlns:p="http://schemas.openxmlformats.org/presentationml/2006/main">
   <p:cSld>
     <p:spTree>
@@ -33336,7 +34792,7 @@
           <a:p>
             <a:r>
               <a:rPr lang="en-US" dirty="0" smtClean="0"/>
-              <a:t>Scheduling Jobs</a:t>
+              <a:t>Exercise</a:t>
             </a:r>
             <a:endParaRPr lang="en-US" dirty="0"/>
           </a:p>
@@ -33359,19 +34815,30 @@
           <a:p>
             <a:r>
               <a:rPr lang="en-US" dirty="0" smtClean="0"/>
-              <a:t>FIFO Scheduler</a:t>
-            </a:r>
-          </a:p>
-          <a:p>
-            <a:r>
-              <a:rPr lang="en-US" dirty="0" smtClean="0"/>
-              <a:t>Fair Scheduler</a:t>
-            </a:r>
-          </a:p>
-          <a:p>
-            <a:r>
-              <a:rPr lang="en-US" dirty="0" smtClean="0"/>
-              <a:t>Capacity Scheduler</a:t>
+              <a:t>Identify daemon processes for MRv1 as well </a:t>
+            </a:r>
+            <a:r>
+              <a:rPr lang="en-US" smtClean="0"/>
+              <a:t>as MRv2+YARN</a:t>
+            </a:r>
+            <a:endParaRPr lang="en-US" dirty="0" smtClean="0"/>
+          </a:p>
+          <a:p>
+            <a:r>
+              <a:rPr lang="en-US" dirty="0" smtClean="0"/>
+              <a:t>Identify different parameter files</a:t>
+            </a:r>
+          </a:p>
+          <a:p>
+            <a:r>
+              <a:rPr lang="en-US" dirty="0" smtClean="0"/>
+              <a:t>Difference between MRv1 – "Classic" and MRv2 - YARN</a:t>
+            </a:r>
+          </a:p>
+          <a:p>
+            <a:r>
+              <a:rPr lang="en-US" dirty="0" smtClean="0"/>
+              <a:t>Understand important parameters and relevance of the parameters in capacity planning as well as performance tuning</a:t>
             </a:r>
             <a:endParaRPr lang="en-US" dirty="0"/>
           </a:p>
@@ -33395,7 +34862,7 @@
             <a:fld id="{31E7C4D2-2F11-4011-AB4F-F84DBF4A0B01}" type="slidenum">
               <a:rPr lang="en-US" smtClean="0"/>
               <a:pPr/>
-              <a:t>70</a:t>
+              <a:t>78</a:t>
             </a:fld>
             <a:endParaRPr lang="en-US"/>
           </a:p>
@@ -33404,7 +34871,7 @@
     </p:spTree>
     <p:extLst>
       <p:ext uri="{BB962C8B-B14F-4D97-AF65-F5344CB8AC3E}">
-        <p14:creationId xmlns:p14="http://schemas.microsoft.com/office/powerpoint/2010/main" val="1978182538"/>
+        <p14:creationId xmlns:p14="http://schemas.microsoft.com/office/powerpoint/2010/main" val="3709304409"/>
       </p:ext>
     </p:extLst>
   </p:cSld>
@@ -33414,14 +34881,14 @@
   <p:timing>
     <p:tnLst>
       <p:par>
-        <p:cTn xmlns:p14="http://schemas.microsoft.com/office/powerpoint/2010/main" id="1" dur="indefinite" restart="never" nodeType="tmRoot"/>
+        <p:cTn id="1" dur="indefinite" restart="never" nodeType="tmRoot"/>
       </p:par>
     </p:tnLst>
   </p:timing>
 </p:sld>
 </file>
 
-<file path=ppt/slides/slide71.xml><?xml version="1.0" encoding="utf-8"?>
+<file path=ppt/slides/slide79.xml><?xml version="1.0" encoding="utf-8"?>
 <p:sld xmlns:a="http://schemas.openxmlformats.org/drawingml/2006/main" xmlns:r="http://schemas.openxmlformats.org/officeDocument/2006/relationships" xmlns:p="http://schemas.openxmlformats.org/presentationml/2006/main">
   <p:cSld>
     <p:spTree>
@@ -33455,7 +34922,7 @@
           <a:p>
             <a:r>
               <a:rPr lang="en-US" dirty="0" smtClean="0"/>
-              <a:t>Exercise</a:t>
+              <a:t>Interview Questions</a:t>
             </a:r>
             <a:endParaRPr lang="en-US" dirty="0"/>
           </a:p>
@@ -33478,31 +34945,28 @@
           <a:p>
             <a:r>
               <a:rPr lang="en-US" dirty="0" smtClean="0"/>
-              <a:t>Identify daemon processes for MRv1 as well </a:t>
-            </a:r>
-            <a:r>
-              <a:rPr lang="en-US" smtClean="0"/>
-              <a:t>as MRv2+YARN</a:t>
-            </a:r>
-            <a:endParaRPr lang="en-US" dirty="0" smtClean="0"/>
-          </a:p>
-          <a:p>
-            <a:r>
-              <a:rPr lang="en-US" dirty="0" smtClean="0"/>
-              <a:t>Identify different parameter files</a:t>
-            </a:r>
-          </a:p>
-          <a:p>
-            <a:r>
-              <a:rPr lang="en-US" dirty="0" smtClean="0"/>
-              <a:t>Difference between MRv1 – "Classic" and MRv2 - YARN</a:t>
-            </a:r>
-          </a:p>
-          <a:p>
-            <a:r>
-              <a:rPr lang="en-US" dirty="0" smtClean="0"/>
-              <a:t>Understand important parameters and relevance of the parameters in capacity planning as well as performance tuning</a:t>
-            </a:r>
+              <a:t>What are different daemon processes?</a:t>
+            </a:r>
+          </a:p>
+          <a:p>
+            <a:r>
+              <a:rPr lang="en-US" dirty="0" smtClean="0"/>
+              <a:t>What is application master?</a:t>
+            </a:r>
+          </a:p>
+          <a:p>
+            <a:r>
+              <a:rPr lang="en-US" dirty="0" smtClean="0"/>
+              <a:t>What is default port number of Resource Manager UI?</a:t>
+            </a:r>
+          </a:p>
+          <a:p>
+            <a:r>
+              <a:rPr lang="en-US" dirty="0"/>
+              <a:t>What are different type of schedulers?</a:t>
+            </a:r>
+          </a:p>
+          <a:p>
             <a:endParaRPr lang="en-US" dirty="0"/>
           </a:p>
         </p:txBody>
@@ -33525,7 +34989,7 @@
             <a:fld id="{31E7C4D2-2F11-4011-AB4F-F84DBF4A0B01}" type="slidenum">
               <a:rPr lang="en-US" smtClean="0"/>
               <a:pPr/>
-              <a:t>71</a:t>
+              <a:t>79</a:t>
             </a:fld>
             <a:endParaRPr lang="en-US"/>
           </a:p>
@@ -33534,7 +34998,7 @@
     </p:spTree>
     <p:extLst>
       <p:ext uri="{BB962C8B-B14F-4D97-AF65-F5344CB8AC3E}">
-        <p14:creationId xmlns:p14="http://schemas.microsoft.com/office/powerpoint/2010/main" val="3709304409"/>
+        <p14:creationId xmlns:p14="http://schemas.microsoft.com/office/powerpoint/2010/main" val="2863159410"/>
       </p:ext>
     </p:extLst>
   </p:cSld>
@@ -33544,14 +35008,14 @@
   <p:timing>
     <p:tnLst>
       <p:par>
-        <p:cTn xmlns:p14="http://schemas.microsoft.com/office/powerpoint/2010/main" id="1" dur="indefinite" restart="never" nodeType="tmRoot"/>
+        <p:cTn id="1" dur="indefinite" restart="never" nodeType="tmRoot"/>
       </p:par>
     </p:tnLst>
   </p:timing>
 </p:sld>
 </file>
 
-<file path=ppt/slides/slide72.xml><?xml version="1.0" encoding="utf-8"?>
+<file path=ppt/slides/slide8.xml><?xml version="1.0" encoding="utf-8"?>
 <p:sld xmlns:a="http://schemas.openxmlformats.org/drawingml/2006/main" xmlns:r="http://schemas.openxmlformats.org/officeDocument/2006/relationships" xmlns:p="http://schemas.openxmlformats.org/presentationml/2006/main">
   <p:cSld>
     <p:spTree>
@@ -33585,7 +35049,7 @@
           <a:p>
             <a:r>
               <a:rPr lang="en-US" dirty="0" smtClean="0"/>
-              <a:t>Interview Questions</a:t>
+              <a:t>HDFS</a:t>
             </a:r>
             <a:endParaRPr lang="en-US" dirty="0"/>
           </a:p>
@@ -33608,29 +35072,58 @@
           <a:p>
             <a:r>
               <a:rPr lang="en-US" dirty="0" smtClean="0"/>
-              <a:t>What are different daemon processes?</a:t>
-            </a:r>
-          </a:p>
-          <a:p>
-            <a:r>
-              <a:rPr lang="en-US" dirty="0" smtClean="0"/>
-              <a:t>What is application master?</a:t>
-            </a:r>
-          </a:p>
-          <a:p>
-            <a:r>
-              <a:rPr lang="en-US" dirty="0" smtClean="0"/>
-              <a:t>What is default port number of Resource Manager UI?</a:t>
-            </a:r>
-          </a:p>
-          <a:p>
-            <a:r>
-              <a:rPr lang="en-US" dirty="0"/>
-              <a:t>What are different type of schedulers?</a:t>
-            </a:r>
-          </a:p>
-          <a:p>
-            <a:endParaRPr lang="en-US" dirty="0"/>
+              <a:t>What is HDFS?</a:t>
+            </a:r>
+          </a:p>
+          <a:p>
+            <a:pPr lvl="1"/>
+            <a:r>
+              <a:rPr lang="en-US" dirty="0" err="1" smtClean="0"/>
+              <a:t>Hadoop</a:t>
+            </a:r>
+            <a:r>
+              <a:rPr lang="en-US" dirty="0" smtClean="0"/>
+              <a:t> </a:t>
+            </a:r>
+            <a:r>
+              <a:rPr lang="en-US" b="1" dirty="0" smtClean="0"/>
+              <a:t>Distributed File System</a:t>
+            </a:r>
+          </a:p>
+          <a:p>
+            <a:pPr lvl="1"/>
+            <a:r>
+              <a:rPr lang="en-US" dirty="0" smtClean="0"/>
+              <a:t>It is all about storage</a:t>
+            </a:r>
+          </a:p>
+          <a:p>
+            <a:pPr lvl="1"/>
+            <a:r>
+              <a:rPr lang="en-US" dirty="0" smtClean="0"/>
+              <a:t>Logical file system</a:t>
+            </a:r>
+          </a:p>
+          <a:p>
+            <a:pPr lvl="1"/>
+            <a:r>
+              <a:rPr lang="en-US" dirty="0" smtClean="0"/>
+              <a:t>Distributed</a:t>
+            </a:r>
+          </a:p>
+          <a:p>
+            <a:pPr lvl="1"/>
+            <a:r>
+              <a:rPr lang="en-US" dirty="0" smtClean="0"/>
+              <a:t>Resilient</a:t>
+            </a:r>
+          </a:p>
+          <a:p>
+            <a:pPr lvl="1"/>
+            <a:r>
+              <a:rPr lang="en-US" dirty="0" smtClean="0"/>
+              <a:t>Fault Tolerant</a:t>
+            </a:r>
           </a:p>
         </p:txBody>
       </p:sp>
@@ -33652,7 +35145,7 @@
             <a:fld id="{31E7C4D2-2F11-4011-AB4F-F84DBF4A0B01}" type="slidenum">
               <a:rPr lang="en-US" smtClean="0"/>
               <a:pPr/>
-              <a:t>72</a:t>
+              <a:t>8</a:t>
             </a:fld>
             <a:endParaRPr lang="en-US"/>
           </a:p>
@@ -33661,7 +35154,7 @@
     </p:spTree>
     <p:extLst>
       <p:ext uri="{BB962C8B-B14F-4D97-AF65-F5344CB8AC3E}">
-        <p14:creationId xmlns:p14="http://schemas.microsoft.com/office/powerpoint/2010/main" val="2863159410"/>
+        <p14:creationId xmlns:p14="http://schemas.microsoft.com/office/powerpoint/2010/main" val="1250231304"/>
       </p:ext>
     </p:extLst>
   </p:cSld>
@@ -33671,14 +35164,14 @@
   <p:timing>
     <p:tnLst>
       <p:par>
-        <p:cTn xmlns:p14="http://schemas.microsoft.com/office/powerpoint/2010/main" id="1" dur="indefinite" restart="never" nodeType="tmRoot"/>
+        <p:cTn id="1" dur="indefinite" restart="never" nodeType="tmRoot"/>
       </p:par>
     </p:tnLst>
   </p:timing>
 </p:sld>
 </file>
 
-<file path=ppt/slides/slide73.xml><?xml version="1.0" encoding="utf-8"?>
+<file path=ppt/slides/slide80.xml><?xml version="1.0" encoding="utf-8"?>
 <p:sld xmlns:a="http://schemas.openxmlformats.org/drawingml/2006/main" xmlns:r="http://schemas.openxmlformats.org/officeDocument/2006/relationships" xmlns:p="http://schemas.openxmlformats.org/presentationml/2006/main">
   <p:cSld>
     <p:spTree>
@@ -33797,7 +35290,7 @@
             <a:fld id="{31E7C4D2-2F11-4011-AB4F-F84DBF4A0B01}" type="slidenum">
               <a:rPr lang="en-US" smtClean="0"/>
               <a:pPr/>
-              <a:t>73</a:t>
+              <a:t>80</a:t>
             </a:fld>
             <a:endParaRPr lang="en-US"/>
           </a:p>
@@ -33816,14 +35309,14 @@
   <p:timing>
     <p:tnLst>
       <p:par>
-        <p:cTn xmlns:p14="http://schemas.microsoft.com/office/powerpoint/2010/main" id="1" dur="indefinite" restart="never" nodeType="tmRoot"/>
+        <p:cTn id="1" dur="indefinite" restart="never" nodeType="tmRoot"/>
       </p:par>
     </p:tnLst>
   </p:timing>
 </p:sld>
 </file>
 
-<file path=ppt/slides/slide74.xml><?xml version="1.0" encoding="utf-8"?>
+<file path=ppt/slides/slide81.xml><?xml version="1.0" encoding="utf-8"?>
 <p:sld xmlns:a="http://schemas.openxmlformats.org/drawingml/2006/main" xmlns:r="http://schemas.openxmlformats.org/officeDocument/2006/relationships" xmlns:p="http://schemas.openxmlformats.org/presentationml/2006/main">
   <p:cSld>
     <p:spTree>
@@ -33939,163 +35432,7 @@
   <p:timing>
     <p:tnLst>
       <p:par>
-        <p:cTn xmlns:p14="http://schemas.microsoft.com/office/powerpoint/2010/main" id="1" dur="indefinite" restart="never" nodeType="tmRoot"/>
-      </p:par>
-    </p:tnLst>
-  </p:timing>
-</p:sld>
-</file>
-
-<file path=ppt/slides/slide8.xml><?xml version="1.0" encoding="utf-8"?>
-<p:sld xmlns:a="http://schemas.openxmlformats.org/drawingml/2006/main" xmlns:r="http://schemas.openxmlformats.org/officeDocument/2006/relationships" xmlns:p="http://schemas.openxmlformats.org/presentationml/2006/main">
-  <p:cSld>
-    <p:spTree>
-      <p:nvGrpSpPr>
-        <p:cNvPr id="1" name=""/>
-        <p:cNvGrpSpPr/>
-        <p:nvPr/>
-      </p:nvGrpSpPr>
-      <p:grpSpPr>
-        <a:xfrm>
-          <a:off x="0" y="0"/>
-          <a:ext cx="0" cy="0"/>
-          <a:chOff x="0" y="0"/>
-          <a:chExt cx="0" cy="0"/>
-        </a:xfrm>
-      </p:grpSpPr>
-      <p:sp>
-        <p:nvSpPr>
-          <p:cNvPr id="4" name="Title 3"/>
-          <p:cNvSpPr>
-            <a:spLocks noGrp="1"/>
-          </p:cNvSpPr>
-          <p:nvPr>
-            <p:ph type="title"/>
-          </p:nvPr>
-        </p:nvSpPr>
-        <p:spPr/>
-        <p:txBody>
-          <a:bodyPr/>
-          <a:lstStyle/>
-          <a:p>
-            <a:r>
-              <a:rPr lang="en-US" dirty="0" smtClean="0"/>
-              <a:t>HDFS</a:t>
-            </a:r>
-            <a:endParaRPr lang="en-US" dirty="0"/>
-          </a:p>
-        </p:txBody>
-      </p:sp>
-      <p:sp>
-        <p:nvSpPr>
-          <p:cNvPr id="2" name="Content Placeholder 1"/>
-          <p:cNvSpPr>
-            <a:spLocks noGrp="1"/>
-          </p:cNvSpPr>
-          <p:nvPr>
-            <p:ph idx="1"/>
-          </p:nvPr>
-        </p:nvSpPr>
-        <p:spPr/>
-        <p:txBody>
-          <a:bodyPr/>
-          <a:lstStyle/>
-          <a:p>
-            <a:r>
-              <a:rPr lang="en-US" dirty="0" smtClean="0"/>
-              <a:t>What is HDFS?</a:t>
-            </a:r>
-          </a:p>
-          <a:p>
-            <a:pPr lvl="1"/>
-            <a:r>
-              <a:rPr lang="en-US" dirty="0" err="1" smtClean="0"/>
-              <a:t>Hadoop</a:t>
-            </a:r>
-            <a:r>
-              <a:rPr lang="en-US" dirty="0" smtClean="0"/>
-              <a:t> </a:t>
-            </a:r>
-            <a:r>
-              <a:rPr lang="en-US" b="1" dirty="0" smtClean="0"/>
-              <a:t>Distributed File System</a:t>
-            </a:r>
-          </a:p>
-          <a:p>
-            <a:pPr lvl="1"/>
-            <a:r>
-              <a:rPr lang="en-US" dirty="0" smtClean="0"/>
-              <a:t>It is all about storage</a:t>
-            </a:r>
-          </a:p>
-          <a:p>
-            <a:pPr lvl="1"/>
-            <a:r>
-              <a:rPr lang="en-US" dirty="0" smtClean="0"/>
-              <a:t>Logical file system</a:t>
-            </a:r>
-          </a:p>
-          <a:p>
-            <a:pPr lvl="1"/>
-            <a:r>
-              <a:rPr lang="en-US" dirty="0" smtClean="0"/>
-              <a:t>Distributed</a:t>
-            </a:r>
-          </a:p>
-          <a:p>
-            <a:pPr lvl="1"/>
-            <a:r>
-              <a:rPr lang="en-US" dirty="0" smtClean="0"/>
-              <a:t>Resilient</a:t>
-            </a:r>
-          </a:p>
-          <a:p>
-            <a:pPr lvl="1"/>
-            <a:r>
-              <a:rPr lang="en-US" dirty="0" smtClean="0"/>
-              <a:t>Fault Tolerant</a:t>
-            </a:r>
-          </a:p>
-        </p:txBody>
-      </p:sp>
-      <p:sp>
-        <p:nvSpPr>
-          <p:cNvPr id="3" name="Slide Number Placeholder 2"/>
-          <p:cNvSpPr>
-            <a:spLocks noGrp="1"/>
-          </p:cNvSpPr>
-          <p:nvPr>
-            <p:ph type="sldNum" sz="quarter" idx="12"/>
-          </p:nvPr>
-        </p:nvSpPr>
-        <p:spPr/>
-        <p:txBody>
-          <a:bodyPr/>
-          <a:lstStyle/>
-          <a:p>
-            <a:fld id="{31E7C4D2-2F11-4011-AB4F-F84DBF4A0B01}" type="slidenum">
-              <a:rPr lang="en-US" smtClean="0"/>
-              <a:pPr/>
-              <a:t>8</a:t>
-            </a:fld>
-            <a:endParaRPr lang="en-US"/>
-          </a:p>
-        </p:txBody>
-      </p:sp>
-    </p:spTree>
-    <p:extLst>
-      <p:ext uri="{BB962C8B-B14F-4D97-AF65-F5344CB8AC3E}">
-        <p14:creationId xmlns:p14="http://schemas.microsoft.com/office/powerpoint/2010/main" val="1250231304"/>
-      </p:ext>
-    </p:extLst>
-  </p:cSld>
-  <p:clrMapOvr>
-    <a:masterClrMapping/>
-  </p:clrMapOvr>
-  <p:timing>
-    <p:tnLst>
-      <p:par>
-        <p:cTn xmlns:p14="http://schemas.microsoft.com/office/powerpoint/2010/main" id="1" dur="indefinite" restart="never" nodeType="tmRoot"/>
+        <p:cTn id="1" dur="indefinite" restart="never" nodeType="tmRoot"/>
       </p:par>
     </p:tnLst>
   </p:timing>
@@ -34302,7 +35639,7 @@
   <p:timing>
     <p:tnLst>
       <p:par>
-        <p:cTn xmlns:p14="http://schemas.microsoft.com/office/powerpoint/2010/main" id="1" dur="indefinite" restart="never" nodeType="tmRoot"/>
+        <p:cTn id="1" dur="indefinite" restart="never" nodeType="tmRoot"/>
       </p:par>
     </p:tnLst>
   </p:timing>
